--- a/Bai_2_lap_trinh_tren_liinux/Bài 1 - Lập trình trên Linux.pptx
+++ b/Bai_2_lap_trinh_tren_liinux/Bài 1 - Lập trình trên Linux.pptx
@@ -5,28 +5,31 @@
     <p:sldMasterId id="2147483648" r:id="rId1"/>
   </p:sldMasterIdLst>
   <p:notesMasterIdLst>
-    <p:notesMasterId r:id="rId18"/>
+    <p:notesMasterId r:id="rId21"/>
   </p:notesMasterIdLst>
   <p:handoutMasterIdLst>
-    <p:handoutMasterId r:id="rId19"/>
+    <p:handoutMasterId r:id="rId22"/>
   </p:handoutMasterIdLst>
   <p:sldIdLst>
     <p:sldId id="256" r:id="rId2"/>
     <p:sldId id="263" r:id="rId3"/>
-    <p:sldId id="274" r:id="rId4"/>
-    <p:sldId id="275" r:id="rId5"/>
-    <p:sldId id="276" r:id="rId6"/>
-    <p:sldId id="277" r:id="rId7"/>
-    <p:sldId id="278" r:id="rId8"/>
-    <p:sldId id="279" r:id="rId9"/>
-    <p:sldId id="280" r:id="rId10"/>
-    <p:sldId id="281" r:id="rId11"/>
-    <p:sldId id="282" r:id="rId12"/>
-    <p:sldId id="284" r:id="rId13"/>
-    <p:sldId id="285" r:id="rId14"/>
-    <p:sldId id="286" r:id="rId15"/>
-    <p:sldId id="287" r:id="rId16"/>
-    <p:sldId id="258" r:id="rId17"/>
+    <p:sldId id="290" r:id="rId4"/>
+    <p:sldId id="274" r:id="rId5"/>
+    <p:sldId id="275" r:id="rId6"/>
+    <p:sldId id="276" r:id="rId7"/>
+    <p:sldId id="277" r:id="rId8"/>
+    <p:sldId id="278" r:id="rId9"/>
+    <p:sldId id="279" r:id="rId10"/>
+    <p:sldId id="280" r:id="rId11"/>
+    <p:sldId id="281" r:id="rId12"/>
+    <p:sldId id="282" r:id="rId13"/>
+    <p:sldId id="284" r:id="rId14"/>
+    <p:sldId id="285" r:id="rId15"/>
+    <p:sldId id="286" r:id="rId16"/>
+    <p:sldId id="287" r:id="rId17"/>
+    <p:sldId id="288" r:id="rId18"/>
+    <p:sldId id="289" r:id="rId19"/>
+    <p:sldId id="258" r:id="rId20"/>
   </p:sldIdLst>
   <p:sldSz cx="9144000" cy="5143500" type="screen16x9"/>
   <p:notesSz cx="6858000" cy="9144000"/>
@@ -226,7 +229,7 @@
           <a:p>
             <a:fld id="{9DF6B2F8-E390-BD4F-9ACD-789C35D23CE3}" type="datetimeFigureOut">
               <a:rPr lang="en-US" smtClean="0"/>
-              <a:t>7/27/2021</a:t>
+              <a:t>5/20/2023</a:t>
             </a:fld>
             <a:endParaRPr lang="en-US"/>
           </a:p>
@@ -392,7 +395,7 @@
           <a:p>
             <a:fld id="{79FF8F81-D7B9-424E-B993-6D09B3871A4E}" type="datetimeFigureOut">
               <a:rPr lang="en-US" smtClean="0"/>
-              <a:t>7/27/2021</a:t>
+              <a:t>5/20/2023</a:t>
             </a:fld>
             <a:endParaRPr lang="en-US"/>
           </a:p>
@@ -809,7 +812,7 @@
           <a:p>
             <a:fld id="{2B3067B3-3AE6-DD4A-9E3D-C999AB3971A1}" type="slidenum">
               <a:rPr lang="en-US" smtClean="0"/>
-              <a:t>16</a:t>
+              <a:t>19</a:t>
             </a:fld>
             <a:endParaRPr lang="en-US"/>
           </a:p>
@@ -1047,7 +1050,7 @@
           <a:p>
             <a:fld id="{7F3FBE28-58BC-4486-9A8E-6C1F0E326EAB}" type="datetime1">
               <a:rPr lang="en-US" smtClean="0"/>
-              <a:t>7/27/2021</a:t>
+              <a:t>5/20/2023</a:t>
             </a:fld>
             <a:endParaRPr lang="en-US"/>
           </a:p>
@@ -1224,7 +1227,7 @@
           <a:p>
             <a:fld id="{AE5B28C3-1882-4E84-9C82-23BA74B52008}" type="datetime1">
               <a:rPr lang="en-US" smtClean="0"/>
-              <a:t>7/27/2021</a:t>
+              <a:t>5/20/2023</a:t>
             </a:fld>
             <a:endParaRPr lang="en-US"/>
           </a:p>
@@ -1405,7 +1408,7 @@
           <a:p>
             <a:fld id="{945B1917-4DD8-41D3-93A0-974B9DFBBCBF}" type="datetime1">
               <a:rPr lang="en-US" smtClean="0"/>
-              <a:t>7/27/2021</a:t>
+              <a:t>5/20/2023</a:t>
             </a:fld>
             <a:endParaRPr lang="en-US"/>
           </a:p>
@@ -1621,7 +1624,7 @@
           <a:p>
             <a:fld id="{403BB6E5-7AA4-4C0D-BF97-BDC69083DBC9}" type="datetime1">
               <a:rPr lang="en-US" smtClean="0"/>
-              <a:t>7/27/2021</a:t>
+              <a:t>5/20/2023</a:t>
             </a:fld>
             <a:endParaRPr lang="en-US"/>
           </a:p>
@@ -1869,7 +1872,7 @@
           <a:p>
             <a:fld id="{5E5BBB4B-2F94-4F11-9AD4-28D0EBD25231}" type="datetime1">
               <a:rPr lang="en-US" smtClean="0"/>
-              <a:t>7/27/2021</a:t>
+              <a:t>5/20/2023</a:t>
             </a:fld>
             <a:endParaRPr lang="en-US"/>
           </a:p>
@@ -2157,7 +2160,7 @@
           <a:p>
             <a:fld id="{B79A5478-161F-4B28-93E5-DE9BF6B2D5E2}" type="datetime1">
               <a:rPr lang="en-US" smtClean="0"/>
-              <a:t>7/27/2021</a:t>
+              <a:t>5/20/2023</a:t>
             </a:fld>
             <a:endParaRPr lang="en-US"/>
           </a:p>
@@ -2584,7 +2587,7 @@
           <a:p>
             <a:fld id="{30E38055-F1C9-4AC4-B9E3-476EF82AD4CC}" type="datetime1">
               <a:rPr lang="en-US" smtClean="0"/>
-              <a:t>7/27/2021</a:t>
+              <a:t>5/20/2023</a:t>
             </a:fld>
             <a:endParaRPr lang="en-US"/>
           </a:p>
@@ -2704,7 +2707,7 @@
           <a:p>
             <a:fld id="{39D9E8B6-A1D4-4191-8D54-A8260B6A1972}" type="datetime1">
               <a:rPr lang="en-US" smtClean="0"/>
-              <a:t>7/27/2021</a:t>
+              <a:t>5/20/2023</a:t>
             </a:fld>
             <a:endParaRPr lang="en-US"/>
           </a:p>
@@ -2802,7 +2805,7 @@
           <a:p>
             <a:fld id="{924C1980-AF69-46D2-A9FE-14E6E6C939BE}" type="datetime1">
               <a:rPr lang="en-US" smtClean="0"/>
-              <a:t>7/27/2021</a:t>
+              <a:t>5/20/2023</a:t>
             </a:fld>
             <a:endParaRPr lang="en-US"/>
           </a:p>
@@ -3064,7 +3067,7 @@
           <a:p>
             <a:fld id="{AAA33C03-0194-466F-B287-AA772F5566B9}" type="datetime1">
               <a:rPr lang="en-US" smtClean="0"/>
-              <a:t>7/27/2021</a:t>
+              <a:t>5/20/2023</a:t>
             </a:fld>
             <a:endParaRPr lang="en-US"/>
           </a:p>
@@ -3284,7 +3287,7 @@
           <a:p>
             <a:fld id="{D31FF56F-D32E-44F3-A5D6-9F4533FAF9BD}" type="datetime1">
               <a:rPr lang="en-US" smtClean="0"/>
-              <a:t>7/27/2021</a:t>
+              <a:t>5/20/2023</a:t>
             </a:fld>
             <a:endParaRPr lang="en-US"/>
           </a:p>
@@ -3533,7 +3536,7 @@
           <a:p>
             <a:fld id="{0289C729-EC9D-4075-8A00-DCB3B3221814}" type="datetime1">
               <a:rPr lang="en-US" smtClean="0"/>
-              <a:t>7/27/2021</a:t>
+              <a:t>5/20/2023</a:t>
             </a:fld>
             <a:endParaRPr lang="en-US"/>
           </a:p>
@@ -4110,8 +4113,12 @@
           <a:lstStyle/>
           <a:p>
             <a:r>
-              <a:rPr lang="en-US" dirty="0"/>
-              <a:t>Shell script</a:t>
+              <a:rPr lang="en-US" dirty="0" err="1"/>
+              <a:t>gcc</a:t>
+            </a:r>
+            <a:r>
+              <a:rPr lang="en-US" dirty="0"/>
+              <a:t> compiler</a:t>
             </a:r>
           </a:p>
         </p:txBody>
@@ -4128,30 +4135,113 @@
         </p:nvSpPr>
         <p:spPr/>
         <p:txBody>
-          <a:bodyPr/>
-          <a:lstStyle/>
-          <a:p>
+          <a:bodyPr>
+            <a:normAutofit fontScale="92500" lnSpcReduction="20000"/>
+          </a:bodyPr>
+          <a:lstStyle/>
+          <a:p>
+            <a:r>
+              <a:rPr lang="en-US" dirty="0"/>
+              <a:t>command line </a:t>
+            </a:r>
+            <a:r>
+              <a:rPr lang="en-US" dirty="0" err="1"/>
+              <a:t>dùng</a:t>
+            </a:r>
+            <a:r>
+              <a:rPr lang="en-US" dirty="0"/>
+              <a:t> </a:t>
+            </a:r>
+            <a:r>
+              <a:rPr lang="en-US" dirty="0" err="1"/>
+              <a:t>để</a:t>
+            </a:r>
+            <a:r>
+              <a:rPr lang="en-US" dirty="0"/>
+              <a:t> build source code</a:t>
+            </a:r>
+          </a:p>
+          <a:p>
+            <a:r>
+              <a:rPr lang="en-US" dirty="0"/>
+              <a:t>command </a:t>
+            </a:r>
+            <a:r>
+              <a:rPr lang="en-US" dirty="0" err="1"/>
+              <a:t>cơ</a:t>
+            </a:r>
+            <a:r>
+              <a:rPr lang="en-US" dirty="0"/>
+              <a:t> </a:t>
+            </a:r>
+            <a:r>
+              <a:rPr lang="en-US" dirty="0" err="1"/>
+              <a:t>bản</a:t>
+            </a:r>
+            <a:r>
+              <a:rPr lang="en-US" dirty="0"/>
+              <a:t>: </a:t>
+            </a:r>
+            <a:r>
+              <a:rPr lang="en-US" dirty="0" err="1"/>
+              <a:t>gcc</a:t>
+            </a:r>
+            <a:r>
+              <a:rPr lang="en-US" dirty="0"/>
+              <a:t> -o </a:t>
+            </a:r>
+            <a:r>
+              <a:rPr lang="en-US" dirty="0" err="1"/>
+              <a:t>output_name</a:t>
+            </a:r>
+            <a:r>
+              <a:rPr lang="en-US" dirty="0"/>
+              <a:t> </a:t>
+            </a:r>
+            <a:r>
+              <a:rPr lang="en-US" dirty="0" err="1"/>
+              <a:t>file.c</a:t>
+            </a:r>
+            <a:endParaRPr lang="en-US" dirty="0"/>
+          </a:p>
+          <a:p>
+            <a:r>
+              <a:rPr lang="en-US" dirty="0"/>
+              <a:t>Options</a:t>
+            </a:r>
+          </a:p>
+          <a:p>
+            <a:pPr lvl="1"/>
             <a:r>
               <a:rPr lang="vi-VN" dirty="0"/>
-              <a:t>Linux cho phép lưu lại các command line trên 1 file text sau đó thực thi file text đó.</a:t>
+              <a:t>-I: chỉ đến đường dẫn tìm các file .h</a:t>
             </a:r>
             <a:endParaRPr lang="en-US" dirty="0"/>
           </a:p>
           <a:p>
-            <a:r>
-              <a:rPr lang="en-US" dirty="0"/>
-              <a:t>Example: build.sh</a:t>
-            </a:r>
-          </a:p>
-          <a:p>
+            <a:pPr lvl="1"/>
             <a:r>
               <a:rPr lang="vi-VN" dirty="0"/>
-              <a:t>Viết script để build chương trình tính tổng</a:t>
-            </a:r>
-            <a:r>
-              <a:rPr lang="en-US" dirty="0"/>
-              <a:t>.</a:t>
-            </a:r>
+              <a:t>-l: Chỉ đến đường dẫn chứa các file thư viện động</a:t>
+            </a:r>
+            <a:endParaRPr lang="en-US" dirty="0"/>
+          </a:p>
+          <a:p>
+            <a:pPr lvl="1"/>
+            <a:r>
+              <a:rPr lang="en-US" dirty="0">
+                <a:hlinkClick r:id="rId2"/>
+              </a:rPr>
+              <a:t>Reference</a:t>
+            </a:r>
+            <a:endParaRPr lang="en-US" dirty="0"/>
+          </a:p>
+          <a:p>
+            <a:r>
+              <a:rPr lang="vi-VN" dirty="0"/>
+              <a:t>Sử dụng vim để viết chương trình tính tổng các số từ 1 đến 100 và in ra màn hình</a:t>
+            </a:r>
+            <a:endParaRPr lang="en-US" dirty="0"/>
           </a:p>
         </p:txBody>
       </p:sp>
@@ -4203,7 +4293,7 @@
     </p:spTree>
     <p:extLst>
       <p:ext uri="{BB962C8B-B14F-4D97-AF65-F5344CB8AC3E}">
-        <p14:creationId xmlns:p14="http://schemas.microsoft.com/office/powerpoint/2010/main" val="2585116584"/>
+        <p14:creationId xmlns:p14="http://schemas.microsoft.com/office/powerpoint/2010/main" val="1380719736"/>
       </p:ext>
     </p:extLst>
   </p:cSld>
@@ -4246,189 +4336,48 @@
           <a:lstStyle/>
           <a:p>
             <a:r>
-              <a:rPr lang="en-US" dirty="0" err="1"/>
-              <a:t>Makefile</a:t>
+              <a:rPr lang="en-US" dirty="0"/>
+              <a:t>Shell script</a:t>
+            </a:r>
+          </a:p>
+        </p:txBody>
+      </p:sp>
+      <p:sp>
+        <p:nvSpPr>
+          <p:cNvPr id="3" name="Content Placeholder 2"/>
+          <p:cNvSpPr>
+            <a:spLocks noGrp="1"/>
+          </p:cNvSpPr>
+          <p:nvPr>
+            <p:ph idx="1"/>
+          </p:nvPr>
+        </p:nvSpPr>
+        <p:spPr/>
+        <p:txBody>
+          <a:bodyPr/>
+          <a:lstStyle/>
+          <a:p>
+            <a:r>
+              <a:rPr lang="vi-VN" dirty="0"/>
+              <a:t>Linux cho phép lưu lại các command line trên 1 file text sau đó thực thi file text đó.</a:t>
             </a:r>
             <a:endParaRPr lang="en-US" dirty="0"/>
           </a:p>
-        </p:txBody>
-      </p:sp>
-      <p:sp>
-        <p:nvSpPr>
-          <p:cNvPr id="3" name="Content Placeholder 2"/>
-          <p:cNvSpPr>
-            <a:spLocks noGrp="1"/>
-          </p:cNvSpPr>
-          <p:nvPr>
-            <p:ph idx="1"/>
-          </p:nvPr>
-        </p:nvSpPr>
-        <p:spPr/>
-        <p:txBody>
-          <a:bodyPr>
-            <a:normAutofit fontScale="92500"/>
-          </a:bodyPr>
-          <a:lstStyle/>
+          <a:p>
+            <a:r>
+              <a:rPr lang="en-US" dirty="0"/>
+              <a:t>Example: build.sh</a:t>
+            </a:r>
+          </a:p>
           <a:p>
             <a:r>
               <a:rPr lang="vi-VN" dirty="0"/>
-              <a:t>1 loại script chuyên dùng để build source code. Được đọc và thực thi bởi chương trình make.</a:t>
-            </a:r>
-            <a:endParaRPr lang="en-US" dirty="0"/>
-          </a:p>
-          <a:p>
-            <a:r>
-              <a:rPr lang="en-US" dirty="0" err="1"/>
-              <a:t>Makefile</a:t>
-            </a:r>
-            <a:r>
-              <a:rPr lang="en-US" dirty="0"/>
-              <a:t> </a:t>
-            </a:r>
-            <a:r>
-              <a:rPr lang="en-US" dirty="0" err="1"/>
-              <a:t>có</a:t>
-            </a:r>
-            <a:r>
-              <a:rPr lang="en-US" dirty="0"/>
-              <a:t> </a:t>
-            </a:r>
-            <a:r>
-              <a:rPr lang="en-US" dirty="0" err="1"/>
-              <a:t>khả</a:t>
-            </a:r>
-            <a:r>
-              <a:rPr lang="en-US" dirty="0"/>
-              <a:t> </a:t>
-            </a:r>
-            <a:r>
-              <a:rPr lang="en-US" dirty="0" err="1"/>
-              <a:t>năng</a:t>
-            </a:r>
-            <a:r>
-              <a:rPr lang="en-US" dirty="0"/>
-              <a:t> </a:t>
-            </a:r>
-            <a:r>
-              <a:rPr lang="en-US" dirty="0" err="1"/>
-              <a:t>kiểm</a:t>
-            </a:r>
-            <a:r>
-              <a:rPr lang="en-US" dirty="0"/>
-              <a:t> </a:t>
-            </a:r>
-            <a:r>
-              <a:rPr lang="en-US" dirty="0" err="1"/>
-              <a:t>tra</a:t>
-            </a:r>
-            <a:r>
-              <a:rPr lang="en-US" dirty="0"/>
-              <a:t> </a:t>
-            </a:r>
-            <a:r>
-              <a:rPr lang="en-US" dirty="0" err="1"/>
-              <a:t>sự</a:t>
-            </a:r>
-            <a:r>
-              <a:rPr lang="en-US" dirty="0"/>
-              <a:t> </a:t>
-            </a:r>
-            <a:r>
-              <a:rPr lang="en-US" dirty="0" err="1"/>
-              <a:t>thay</a:t>
-            </a:r>
-            <a:r>
-              <a:rPr lang="en-US" dirty="0"/>
-              <a:t> </a:t>
-            </a:r>
-            <a:r>
-              <a:rPr lang="en-US" dirty="0" err="1"/>
-              <a:t>đổi</a:t>
-            </a:r>
-            <a:r>
-              <a:rPr lang="en-US" dirty="0"/>
-              <a:t> </a:t>
-            </a:r>
-            <a:r>
-              <a:rPr lang="en-US" dirty="0" err="1"/>
-              <a:t>trong</a:t>
-            </a:r>
-            <a:r>
-              <a:rPr lang="en-US" dirty="0"/>
-              <a:t> source </a:t>
-            </a:r>
-            <a:r>
-              <a:rPr lang="en-US" dirty="0" err="1"/>
-              <a:t>và</a:t>
-            </a:r>
-            <a:r>
-              <a:rPr lang="en-US" dirty="0"/>
-              <a:t> </a:t>
-            </a:r>
-            <a:r>
-              <a:rPr lang="en-US" dirty="0" err="1"/>
-              <a:t>chỉ</a:t>
-            </a:r>
-            <a:r>
-              <a:rPr lang="en-US" dirty="0"/>
-              <a:t> build </a:t>
-            </a:r>
-            <a:r>
-              <a:rPr lang="en-US" dirty="0" err="1"/>
-              <a:t>lại</a:t>
-            </a:r>
-            <a:r>
-              <a:rPr lang="en-US" dirty="0"/>
-              <a:t> </a:t>
-            </a:r>
-            <a:r>
-              <a:rPr lang="en-US" dirty="0" err="1"/>
-              <a:t>những</a:t>
-            </a:r>
-            <a:r>
-              <a:rPr lang="en-US" dirty="0"/>
-              <a:t> file source </a:t>
-            </a:r>
-            <a:r>
-              <a:rPr lang="en-US" dirty="0" err="1"/>
-              <a:t>có</a:t>
-            </a:r>
-            <a:r>
-              <a:rPr lang="en-US" dirty="0"/>
-              <a:t> </a:t>
-            </a:r>
-            <a:r>
-              <a:rPr lang="en-US" dirty="0" err="1"/>
-              <a:t>thay</a:t>
-            </a:r>
-            <a:r>
-              <a:rPr lang="en-US" dirty="0"/>
-              <a:t> </a:t>
-            </a:r>
-            <a:r>
-              <a:rPr lang="en-US" dirty="0" err="1"/>
-              <a:t>đổi</a:t>
+              <a:t>Viết script để build chương trình tính tổng</a:t>
             </a:r>
             <a:r>
               <a:rPr lang="en-US" dirty="0"/>
               <a:t>.</a:t>
             </a:r>
-          </a:p>
-          <a:p>
-            <a:r>
-              <a:rPr lang="en-US" dirty="0">
-                <a:hlinkClick r:id="rId2"/>
-              </a:rPr>
-              <a:t>Example</a:t>
-            </a:r>
-            <a:endParaRPr lang="en-US" dirty="0"/>
-          </a:p>
-          <a:p>
-            <a:r>
-              <a:rPr lang="vi-VN" dirty="0"/>
-              <a:t>Sử dụng Makefile để build chương trình tính tổng</a:t>
-            </a:r>
-            <a:endParaRPr lang="en-US" dirty="0"/>
           </a:p>
         </p:txBody>
       </p:sp>
@@ -4480,7 +4429,7 @@
     </p:spTree>
     <p:extLst>
       <p:ext uri="{BB962C8B-B14F-4D97-AF65-F5344CB8AC3E}">
-        <p14:creationId xmlns:p14="http://schemas.microsoft.com/office/powerpoint/2010/main" val="2497899828"/>
+        <p14:creationId xmlns:p14="http://schemas.microsoft.com/office/powerpoint/2010/main" val="2585116584"/>
       </p:ext>
     </p:extLst>
   </p:cSld>
@@ -4523,44 +4472,189 @@
           <a:lstStyle/>
           <a:p>
             <a:r>
-              <a:rPr lang="vi-VN" sz="2400" dirty="0"/>
-              <a:t>Các kỹ thuật cơ bản khi lập trình trên Linux</a:t>
-            </a:r>
-            <a:endParaRPr lang="en-US" sz="2400" dirty="0"/>
-          </a:p>
-        </p:txBody>
-      </p:sp>
-      <p:sp>
-        <p:nvSpPr>
-          <p:cNvPr id="6" name="Text Placeholder 5"/>
-          <p:cNvSpPr>
-            <a:spLocks noGrp="1"/>
-          </p:cNvSpPr>
-          <p:nvPr>
-            <p:ph type="body" idx="1"/>
+              <a:rPr lang="en-US" dirty="0" err="1"/>
+              <a:t>Makefile</a:t>
+            </a:r>
+            <a:endParaRPr lang="en-US" dirty="0"/>
+          </a:p>
+        </p:txBody>
+      </p:sp>
+      <p:sp>
+        <p:nvSpPr>
+          <p:cNvPr id="3" name="Content Placeholder 2"/>
+          <p:cNvSpPr>
+            <a:spLocks noGrp="1"/>
+          </p:cNvSpPr>
+          <p:nvPr>
+            <p:ph idx="1"/>
           </p:nvPr>
         </p:nvSpPr>
         <p:spPr/>
         <p:txBody>
           <a:bodyPr>
-            <a:normAutofit/>
+            <a:normAutofit fontScale="92500"/>
           </a:bodyPr>
           <a:lstStyle/>
           <a:p>
-            <a:pPr algn="ctr"/>
-            <a:r>
-              <a:rPr lang="vi-VN" sz="3200" dirty="0">
-                <a:solidFill>
-                  <a:schemeClr val="tx1"/>
-                </a:solidFill>
+            <a:r>
+              <a:rPr lang="vi-VN" dirty="0"/>
+              <a:t>1 loại script chuyên dùng để build source code. Được đọc và thực thi bởi chương trình make.</a:t>
+            </a:r>
+            <a:endParaRPr lang="en-US" dirty="0"/>
+          </a:p>
+          <a:p>
+            <a:r>
+              <a:rPr lang="en-US" dirty="0" err="1"/>
+              <a:t>Makefile</a:t>
+            </a:r>
+            <a:r>
+              <a:rPr lang="en-US" dirty="0"/>
+              <a:t> </a:t>
+            </a:r>
+            <a:r>
+              <a:rPr lang="en-US" dirty="0" err="1"/>
+              <a:t>có</a:t>
+            </a:r>
+            <a:r>
+              <a:rPr lang="en-US" dirty="0"/>
+              <a:t> </a:t>
+            </a:r>
+            <a:r>
+              <a:rPr lang="en-US" dirty="0" err="1"/>
+              <a:t>khả</a:t>
+            </a:r>
+            <a:r>
+              <a:rPr lang="en-US" dirty="0"/>
+              <a:t> </a:t>
+            </a:r>
+            <a:r>
+              <a:rPr lang="en-US" dirty="0" err="1"/>
+              <a:t>năng</a:t>
+            </a:r>
+            <a:r>
+              <a:rPr lang="en-US" dirty="0"/>
+              <a:t> </a:t>
+            </a:r>
+            <a:r>
+              <a:rPr lang="en-US" dirty="0" err="1"/>
+              <a:t>kiểm</a:t>
+            </a:r>
+            <a:r>
+              <a:rPr lang="en-US" dirty="0"/>
+              <a:t> </a:t>
+            </a:r>
+            <a:r>
+              <a:rPr lang="en-US" dirty="0" err="1"/>
+              <a:t>tra</a:t>
+            </a:r>
+            <a:r>
+              <a:rPr lang="en-US" dirty="0"/>
+              <a:t> </a:t>
+            </a:r>
+            <a:r>
+              <a:rPr lang="en-US" dirty="0" err="1"/>
+              <a:t>sự</a:t>
+            </a:r>
+            <a:r>
+              <a:rPr lang="en-US" dirty="0"/>
+              <a:t> </a:t>
+            </a:r>
+            <a:r>
+              <a:rPr lang="en-US" dirty="0" err="1"/>
+              <a:t>thay</a:t>
+            </a:r>
+            <a:r>
+              <a:rPr lang="en-US" dirty="0"/>
+              <a:t> </a:t>
+            </a:r>
+            <a:r>
+              <a:rPr lang="en-US" dirty="0" err="1"/>
+              <a:t>đổi</a:t>
+            </a:r>
+            <a:r>
+              <a:rPr lang="en-US" dirty="0"/>
+              <a:t> </a:t>
+            </a:r>
+            <a:r>
+              <a:rPr lang="en-US" dirty="0" err="1"/>
+              <a:t>trong</a:t>
+            </a:r>
+            <a:r>
+              <a:rPr lang="en-US" dirty="0"/>
+              <a:t> source </a:t>
+            </a:r>
+            <a:r>
+              <a:rPr lang="en-US" dirty="0" err="1"/>
+              <a:t>và</a:t>
+            </a:r>
+            <a:r>
+              <a:rPr lang="en-US" dirty="0"/>
+              <a:t> </a:t>
+            </a:r>
+            <a:r>
+              <a:rPr lang="en-US" dirty="0" err="1"/>
+              <a:t>chỉ</a:t>
+            </a:r>
+            <a:r>
+              <a:rPr lang="en-US" dirty="0"/>
+              <a:t> build </a:t>
+            </a:r>
+            <a:r>
+              <a:rPr lang="en-US" dirty="0" err="1"/>
+              <a:t>lại</a:t>
+            </a:r>
+            <a:r>
+              <a:rPr lang="en-US" dirty="0"/>
+              <a:t> </a:t>
+            </a:r>
+            <a:r>
+              <a:rPr lang="en-US" dirty="0" err="1"/>
+              <a:t>những</a:t>
+            </a:r>
+            <a:r>
+              <a:rPr lang="en-US" dirty="0"/>
+              <a:t> file source </a:t>
+            </a:r>
+            <a:r>
+              <a:rPr lang="en-US" dirty="0" err="1"/>
+              <a:t>có</a:t>
+            </a:r>
+            <a:r>
+              <a:rPr lang="en-US" dirty="0"/>
+              <a:t> </a:t>
+            </a:r>
+            <a:r>
+              <a:rPr lang="en-US" dirty="0" err="1"/>
+              <a:t>thay</a:t>
+            </a:r>
+            <a:r>
+              <a:rPr lang="en-US" dirty="0"/>
+              <a:t> </a:t>
+            </a:r>
+            <a:r>
+              <a:rPr lang="en-US" dirty="0" err="1"/>
+              <a:t>đổi</a:t>
+            </a:r>
+            <a:r>
+              <a:rPr lang="en-US" dirty="0"/>
+              <a:t>.</a:t>
+            </a:r>
+          </a:p>
+          <a:p>
+            <a:r>
+              <a:rPr lang="en-US" dirty="0">
+                <a:hlinkClick r:id="rId2"/>
               </a:rPr>
-              <a:t>Các kỹ thuật tìm kiếm và debug source code</a:t>
-            </a:r>
-            <a:endParaRPr lang="en-US" sz="3200" dirty="0">
-              <a:solidFill>
-                <a:schemeClr val="tx1"/>
-              </a:solidFill>
-            </a:endParaRPr>
+              <a:t>Example</a:t>
+            </a:r>
+            <a:endParaRPr lang="en-US" dirty="0"/>
+          </a:p>
+          <a:p>
+            <a:r>
+              <a:rPr lang="vi-VN" dirty="0"/>
+              <a:t>Sử dụng Makefile để build chương trình tính tổng</a:t>
+            </a:r>
+            <a:endParaRPr lang="en-US" dirty="0"/>
           </a:p>
         </p:txBody>
       </p:sp>
@@ -4612,7 +4706,7 @@
     </p:spTree>
     <p:extLst>
       <p:ext uri="{BB962C8B-B14F-4D97-AF65-F5344CB8AC3E}">
-        <p14:creationId xmlns:p14="http://schemas.microsoft.com/office/powerpoint/2010/main" val="3203030642"/>
+        <p14:creationId xmlns:p14="http://schemas.microsoft.com/office/powerpoint/2010/main" val="2497899828"/>
       </p:ext>
     </p:extLst>
   </p:cSld>
@@ -4655,186 +4749,44 @@
           <a:lstStyle/>
           <a:p>
             <a:r>
-              <a:rPr lang="en-US" dirty="0" err="1"/>
-              <a:t>gdb</a:t>
-            </a:r>
-            <a:r>
-              <a:rPr lang="en-US" dirty="0"/>
-              <a:t> debugger</a:t>
-            </a:r>
-          </a:p>
-        </p:txBody>
-      </p:sp>
-      <p:sp>
-        <p:nvSpPr>
-          <p:cNvPr id="3" name="Content Placeholder 2"/>
-          <p:cNvSpPr>
-            <a:spLocks noGrp="1"/>
-          </p:cNvSpPr>
-          <p:nvPr>
-            <p:ph idx="1"/>
+              <a:rPr lang="vi-VN" sz="2400" dirty="0"/>
+              <a:t>Các kỹ thuật cơ bản khi lập trình trên Linux</a:t>
+            </a:r>
+            <a:endParaRPr lang="en-US" sz="2400" dirty="0"/>
+          </a:p>
+        </p:txBody>
+      </p:sp>
+      <p:sp>
+        <p:nvSpPr>
+          <p:cNvPr id="6" name="Text Placeholder 5"/>
+          <p:cNvSpPr>
+            <a:spLocks noGrp="1"/>
+          </p:cNvSpPr>
+          <p:nvPr>
+            <p:ph type="body" idx="1"/>
           </p:nvPr>
         </p:nvSpPr>
         <p:spPr/>
         <p:txBody>
           <a:bodyPr>
-            <a:normAutofit fontScale="92500" lnSpcReduction="10000"/>
+            <a:normAutofit/>
           </a:bodyPr>
           <a:lstStyle/>
           <a:p>
-            <a:r>
-              <a:rPr lang="vi-VN" dirty="0"/>
-              <a:t>Là chương trình cho phép người dùng debug ở trong chế độ console</a:t>
-            </a:r>
-            <a:endParaRPr lang="en-US" dirty="0"/>
-          </a:p>
-          <a:p>
-            <a:r>
-              <a:rPr lang="en-US" dirty="0" err="1"/>
-              <a:t>Sử</a:t>
-            </a:r>
-            <a:r>
-              <a:rPr lang="en-US" dirty="0"/>
-              <a:t> </a:t>
-            </a:r>
-            <a:r>
-              <a:rPr lang="en-US" dirty="0" err="1"/>
-              <a:t>dụng</a:t>
-            </a:r>
-            <a:r>
-              <a:rPr lang="en-US" dirty="0"/>
-              <a:t> option</a:t>
-            </a:r>
-          </a:p>
-          <a:p>
-            <a:pPr lvl="1"/>
-            <a:r>
-              <a:rPr lang="en-US" dirty="0" err="1"/>
-              <a:t>Chỉ</a:t>
-            </a:r>
-            <a:r>
-              <a:rPr lang="en-US" dirty="0"/>
-              <a:t> </a:t>
-            </a:r>
-            <a:r>
-              <a:rPr lang="en-US" dirty="0" err="1"/>
-              <a:t>định</a:t>
-            </a:r>
-            <a:r>
-              <a:rPr lang="en-US" dirty="0"/>
-              <a:t> program </a:t>
-            </a:r>
-            <a:r>
-              <a:rPr lang="en-US" dirty="0" err="1"/>
-              <a:t>cần</a:t>
-            </a:r>
-            <a:r>
-              <a:rPr lang="en-US" dirty="0"/>
-              <a:t> debug: </a:t>
-            </a:r>
-            <a:r>
-              <a:rPr lang="en-US" dirty="0" err="1"/>
-              <a:t>gdb</a:t>
-            </a:r>
-            <a:r>
-              <a:rPr lang="en-US" dirty="0"/>
-              <a:t> </a:t>
-            </a:r>
-            <a:r>
-              <a:rPr lang="en-US" dirty="0" err="1"/>
-              <a:t>file_name</a:t>
-            </a:r>
-            <a:endParaRPr lang="en-US" dirty="0"/>
-          </a:p>
-          <a:p>
-            <a:pPr lvl="1"/>
-            <a:r>
-              <a:rPr lang="en-US" dirty="0"/>
-              <a:t>set break point: b N</a:t>
-            </a:r>
-          </a:p>
-          <a:p>
-            <a:pPr lvl="1"/>
-            <a:r>
-              <a:rPr lang="vi-VN" dirty="0"/>
-              <a:t>run chương trình: run</a:t>
-            </a:r>
-            <a:endParaRPr lang="en-US" dirty="0"/>
-          </a:p>
-          <a:p>
-            <a:pPr lvl="1"/>
-            <a:r>
-              <a:rPr lang="en-US" dirty="0" err="1"/>
-              <a:t>Xem</a:t>
-            </a:r>
-            <a:r>
-              <a:rPr lang="en-US" dirty="0"/>
-              <a:t> </a:t>
-            </a:r>
-            <a:r>
-              <a:rPr lang="en-US" dirty="0" err="1"/>
-              <a:t>giá</a:t>
-            </a:r>
-            <a:r>
-              <a:rPr lang="en-US" dirty="0"/>
-              <a:t> </a:t>
-            </a:r>
-            <a:r>
-              <a:rPr lang="en-US" dirty="0" err="1"/>
-              <a:t>trị</a:t>
-            </a:r>
-            <a:r>
-              <a:rPr lang="en-US" dirty="0"/>
-              <a:t> </a:t>
-            </a:r>
-            <a:r>
-              <a:rPr lang="en-US" dirty="0" err="1"/>
-              <a:t>của</a:t>
-            </a:r>
-            <a:r>
-              <a:rPr lang="en-US" dirty="0"/>
-              <a:t> </a:t>
-            </a:r>
-            <a:r>
-              <a:rPr lang="en-US" dirty="0" err="1"/>
-              <a:t>biến</a:t>
-            </a:r>
-            <a:r>
-              <a:rPr lang="en-US" dirty="0"/>
-              <a:t>: print </a:t>
-            </a:r>
-            <a:r>
-              <a:rPr lang="en-US" dirty="0" err="1"/>
-              <a:t>val_name</a:t>
-            </a:r>
-            <a:endParaRPr lang="en-US" dirty="0"/>
-          </a:p>
-          <a:p>
-            <a:pPr lvl="1"/>
-            <a:r>
-              <a:rPr lang="en-US" dirty="0" err="1"/>
-              <a:t>đi</a:t>
-            </a:r>
-            <a:r>
-              <a:rPr lang="en-US" dirty="0"/>
-              <a:t> qua 1 </a:t>
-            </a:r>
-            <a:r>
-              <a:rPr lang="en-US" dirty="0" err="1"/>
-              <a:t>câu</a:t>
-            </a:r>
-            <a:r>
-              <a:rPr lang="en-US" dirty="0"/>
-              <a:t> </a:t>
-            </a:r>
-            <a:r>
-              <a:rPr lang="en-US" dirty="0" err="1"/>
-              <a:t>lệnh</a:t>
-            </a:r>
-            <a:r>
-              <a:rPr lang="en-US" dirty="0"/>
-              <a:t>: next</a:t>
-            </a:r>
+            <a:pPr algn="ctr"/>
+            <a:r>
+              <a:rPr lang="vi-VN" sz="3200" dirty="0">
+                <a:solidFill>
+                  <a:schemeClr val="tx1"/>
+                </a:solidFill>
+              </a:rPr>
+              <a:t>Các kỹ thuật tìm kiếm và debug source code</a:t>
+            </a:r>
+            <a:endParaRPr lang="en-US" sz="3200" dirty="0">
+              <a:solidFill>
+                <a:schemeClr val="tx1"/>
+              </a:solidFill>
+            </a:endParaRPr>
           </a:p>
         </p:txBody>
       </p:sp>
@@ -4886,7 +4838,7 @@
     </p:spTree>
     <p:extLst>
       <p:ext uri="{BB962C8B-B14F-4D97-AF65-F5344CB8AC3E}">
-        <p14:creationId xmlns:p14="http://schemas.microsoft.com/office/powerpoint/2010/main" val="1131931195"/>
+        <p14:creationId xmlns:p14="http://schemas.microsoft.com/office/powerpoint/2010/main" val="3203030642"/>
       </p:ext>
     </p:extLst>
   </p:cSld>
@@ -4929,8 +4881,12 @@
           <a:lstStyle/>
           <a:p>
             <a:r>
-              <a:rPr lang="en-US" dirty="0"/>
-              <a:t>grep and find command</a:t>
+              <a:rPr lang="en-US" dirty="0" err="1"/>
+              <a:t>gdb</a:t>
+            </a:r>
+            <a:r>
+              <a:rPr lang="en-US" dirty="0"/>
+              <a:t> debugger</a:t>
             </a:r>
           </a:p>
         </p:txBody>
@@ -4947,126 +4903,87 @@
         </p:nvSpPr>
         <p:spPr/>
         <p:txBody>
-          <a:bodyPr/>
-          <a:lstStyle/>
-          <a:p>
-            <a:r>
-              <a:rPr lang="en-US" dirty="0"/>
-              <a:t>find </a:t>
-            </a:r>
-            <a:r>
-              <a:rPr lang="en-US" dirty="0" err="1"/>
-              <a:t>path_to_folder</a:t>
-            </a:r>
-            <a:r>
-              <a:rPr lang="en-US" dirty="0"/>
-              <a:t> *name*</a:t>
+          <a:bodyPr>
+            <a:normAutofit fontScale="92500" lnSpcReduction="10000"/>
+          </a:bodyPr>
+          <a:lstStyle/>
+          <a:p>
+            <a:r>
+              <a:rPr lang="vi-VN" dirty="0"/>
+              <a:t>Là chương trình cho phép người dùng debug ở trong chế độ console</a:t>
+            </a:r>
+            <a:endParaRPr lang="en-US" dirty="0"/>
+          </a:p>
+          <a:p>
+            <a:r>
+              <a:rPr lang="en-US" dirty="0" err="1"/>
+              <a:t>Sử</a:t>
+            </a:r>
+            <a:r>
+              <a:rPr lang="en-US" dirty="0"/>
+              <a:t> </a:t>
+            </a:r>
+            <a:r>
+              <a:rPr lang="en-US" dirty="0" err="1"/>
+              <a:t>dụng</a:t>
+            </a:r>
+            <a:r>
+              <a:rPr lang="en-US" dirty="0"/>
+              <a:t> option</a:t>
             </a:r>
           </a:p>
           <a:p>
             <a:pPr lvl="1"/>
             <a:r>
               <a:rPr lang="en-US" dirty="0" err="1"/>
-              <a:t>Tìm</a:t>
-            </a:r>
-            <a:r>
-              <a:rPr lang="en-US" dirty="0"/>
-              <a:t> </a:t>
-            </a:r>
-            <a:r>
-              <a:rPr lang="en-US" dirty="0" err="1"/>
-              <a:t>kiếm</a:t>
-            </a:r>
-            <a:r>
-              <a:rPr lang="en-US" dirty="0"/>
-              <a:t> </a:t>
-            </a:r>
-            <a:r>
-              <a:rPr lang="en-US" dirty="0" err="1"/>
-              <a:t>tất</a:t>
-            </a:r>
-            <a:r>
-              <a:rPr lang="en-US" dirty="0"/>
-              <a:t> </a:t>
-            </a:r>
-            <a:r>
-              <a:rPr lang="en-US" dirty="0" err="1"/>
-              <a:t>cả</a:t>
-            </a:r>
-            <a:r>
-              <a:rPr lang="en-US" dirty="0"/>
-              <a:t> </a:t>
-            </a:r>
-            <a:r>
-              <a:rPr lang="en-US" dirty="0" err="1"/>
-              <a:t>các</a:t>
-            </a:r>
-            <a:r>
-              <a:rPr lang="en-US" dirty="0"/>
-              <a:t> file </a:t>
-            </a:r>
-            <a:r>
-              <a:rPr lang="en-US" dirty="0" err="1"/>
-              <a:t>có</a:t>
-            </a:r>
-            <a:r>
-              <a:rPr lang="en-US" dirty="0"/>
-              <a:t> </a:t>
-            </a:r>
-            <a:r>
-              <a:rPr lang="en-US" dirty="0" err="1"/>
-              <a:t>chứa</a:t>
-            </a:r>
-            <a:r>
-              <a:rPr lang="en-US" dirty="0"/>
-              <a:t> </a:t>
-            </a:r>
-            <a:r>
-              <a:rPr lang="en-US" dirty="0" err="1"/>
-              <a:t>chuỗi</a:t>
-            </a:r>
-            <a:r>
-              <a:rPr lang="en-US" dirty="0"/>
-              <a:t> name </a:t>
-            </a:r>
-            <a:r>
-              <a:rPr lang="en-US" dirty="0" err="1"/>
-              <a:t>trong</a:t>
-            </a:r>
-            <a:r>
-              <a:rPr lang="en-US" dirty="0"/>
-              <a:t> </a:t>
-            </a:r>
-            <a:r>
-              <a:rPr lang="en-US" dirty="0" err="1"/>
-              <a:t>foler</a:t>
-            </a:r>
-            <a:r>
-              <a:rPr lang="en-US" dirty="0"/>
-              <a:t> </a:t>
-            </a:r>
-            <a:r>
-              <a:rPr lang="en-US" dirty="0" err="1"/>
-              <a:t>path_to_folder</a:t>
+              <a:t>Chỉ</a:t>
+            </a:r>
+            <a:r>
+              <a:rPr lang="en-US" dirty="0"/>
+              <a:t> </a:t>
+            </a:r>
+            <a:r>
+              <a:rPr lang="en-US" dirty="0" err="1"/>
+              <a:t>định</a:t>
+            </a:r>
+            <a:r>
+              <a:rPr lang="en-US" dirty="0"/>
+              <a:t> program </a:t>
+            </a:r>
+            <a:r>
+              <a:rPr lang="en-US" dirty="0" err="1"/>
+              <a:t>cần</a:t>
+            </a:r>
+            <a:r>
+              <a:rPr lang="en-US" dirty="0"/>
+              <a:t> debug: </a:t>
+            </a:r>
+            <a:r>
+              <a:rPr lang="en-US" dirty="0" err="1"/>
+              <a:t>gdb</a:t>
+            </a:r>
+            <a:r>
+              <a:rPr lang="en-US" dirty="0"/>
+              <a:t> </a:t>
+            </a:r>
+            <a:r>
+              <a:rPr lang="en-US" dirty="0" err="1"/>
+              <a:t>file_name</a:t>
             </a:r>
             <a:endParaRPr lang="en-US" dirty="0"/>
           </a:p>
           <a:p>
-            <a:r>
-              <a:rPr lang="en-US" dirty="0"/>
-              <a:t>grep -</a:t>
-            </a:r>
-            <a:r>
-              <a:rPr lang="en-US" dirty="0" err="1"/>
-              <a:t>nrwI</a:t>
-            </a:r>
-            <a:r>
-              <a:rPr lang="en-US" dirty="0"/>
-              <a:t> string </a:t>
-            </a:r>
-            <a:r>
-              <a:rPr lang="en-US" dirty="0" err="1"/>
-              <a:t>path_to_folder</a:t>
+            <a:pPr lvl="1"/>
+            <a:r>
+              <a:rPr lang="en-US" dirty="0"/>
+              <a:t>set break point: b N</a:t>
+            </a:r>
+          </a:p>
+          <a:p>
+            <a:pPr lvl="1"/>
+            <a:r>
+              <a:rPr lang="vi-VN" dirty="0"/>
+              <a:t>run chương trình: run</a:t>
             </a:r>
             <a:endParaRPr lang="en-US" dirty="0"/>
           </a:p>
@@ -5074,59 +4991,75 @@
             <a:pPr lvl="1"/>
             <a:r>
               <a:rPr lang="en-US" dirty="0" err="1"/>
-              <a:t>Tìm</a:t>
-            </a:r>
-            <a:r>
-              <a:rPr lang="en-US" dirty="0"/>
-              <a:t> </a:t>
-            </a:r>
-            <a:r>
-              <a:rPr lang="en-US" dirty="0" err="1"/>
-              <a:t>kiếm</a:t>
-            </a:r>
-            <a:r>
-              <a:rPr lang="en-US" dirty="0"/>
-              <a:t> </a:t>
-            </a:r>
-            <a:r>
-              <a:rPr lang="en-US" dirty="0" err="1"/>
-              <a:t>chuỗi</a:t>
-            </a:r>
-            <a:r>
-              <a:rPr lang="en-US" dirty="0"/>
-              <a:t> string </a:t>
-            </a:r>
-            <a:r>
-              <a:rPr lang="en-US" dirty="0" err="1"/>
-              <a:t>trong</a:t>
-            </a:r>
-            <a:r>
-              <a:rPr lang="en-US" dirty="0"/>
-              <a:t> folder </a:t>
-            </a:r>
-            <a:r>
-              <a:rPr lang="en-US" dirty="0" err="1"/>
-              <a:t>path_to_folder</a:t>
+              <a:t>Xem</a:t>
+            </a:r>
+            <a:r>
+              <a:rPr lang="en-US" dirty="0"/>
+              <a:t> </a:t>
+            </a:r>
+            <a:r>
+              <a:rPr lang="en-US" dirty="0" err="1"/>
+              <a:t>giá</a:t>
+            </a:r>
+            <a:r>
+              <a:rPr lang="en-US" dirty="0"/>
+              <a:t> </a:t>
+            </a:r>
+            <a:r>
+              <a:rPr lang="en-US" dirty="0" err="1"/>
+              <a:t>trị</a:t>
+            </a:r>
+            <a:r>
+              <a:rPr lang="en-US" dirty="0"/>
+              <a:t> </a:t>
+            </a:r>
+            <a:r>
+              <a:rPr lang="en-US" dirty="0" err="1"/>
+              <a:t>của</a:t>
+            </a:r>
+            <a:r>
+              <a:rPr lang="en-US" dirty="0"/>
+              <a:t> </a:t>
+            </a:r>
+            <a:r>
+              <a:rPr lang="en-US" dirty="0" err="1"/>
+              <a:t>biến</a:t>
+            </a:r>
+            <a:r>
+              <a:rPr lang="en-US" dirty="0"/>
+              <a:t>: print </a:t>
+            </a:r>
+            <a:r>
+              <a:rPr lang="en-US" dirty="0" err="1"/>
+              <a:t>val_name</a:t>
             </a:r>
             <a:endParaRPr lang="en-US" dirty="0"/>
           </a:p>
           <a:p>
             <a:pPr lvl="1"/>
             <a:r>
-              <a:rPr lang="en-US" dirty="0"/>
-              <a:t>options </a:t>
-            </a:r>
-            <a:r>
-              <a:rPr lang="en-US" dirty="0" err="1"/>
-              <a:t>nrwI</a:t>
-            </a:r>
-            <a:endParaRPr lang="en-US" dirty="0"/>
-          </a:p>
-          <a:p>
-            <a:pPr lvl="1"/>
-            <a:r>
-              <a:rPr lang="en-US" dirty="0"/>
-              <a:t>option --include</a:t>
+              <a:rPr lang="en-US" dirty="0" err="1"/>
+              <a:t>đi</a:t>
+            </a:r>
+            <a:r>
+              <a:rPr lang="en-US" dirty="0"/>
+              <a:t> qua 1 </a:t>
+            </a:r>
+            <a:r>
+              <a:rPr lang="en-US" dirty="0" err="1"/>
+              <a:t>câu</a:t>
+            </a:r>
+            <a:r>
+              <a:rPr lang="en-US" dirty="0"/>
+              <a:t> </a:t>
+            </a:r>
+            <a:r>
+              <a:rPr lang="en-US" dirty="0" err="1"/>
+              <a:t>lệnh</a:t>
+            </a:r>
+            <a:r>
+              <a:rPr lang="en-US" dirty="0"/>
+              <a:t>: next</a:t>
             </a:r>
           </a:p>
         </p:txBody>
@@ -5179,7 +5112,7 @@
     </p:spTree>
     <p:extLst>
       <p:ext uri="{BB962C8B-B14F-4D97-AF65-F5344CB8AC3E}">
-        <p14:creationId xmlns:p14="http://schemas.microsoft.com/office/powerpoint/2010/main" val="3219974491"/>
+        <p14:creationId xmlns:p14="http://schemas.microsoft.com/office/powerpoint/2010/main" val="1131931195"/>
       </p:ext>
     </p:extLst>
   </p:cSld>
@@ -5222,87 +5155,152 @@
           <a:lstStyle/>
           <a:p>
             <a:r>
-              <a:rPr lang="en-US" dirty="0" err="1"/>
-              <a:t>cscope</a:t>
+              <a:rPr lang="en-US" dirty="0"/>
+              <a:t>grep and find command</a:t>
+            </a:r>
+          </a:p>
+        </p:txBody>
+      </p:sp>
+      <p:sp>
+        <p:nvSpPr>
+          <p:cNvPr id="3" name="Content Placeholder 2"/>
+          <p:cNvSpPr>
+            <a:spLocks noGrp="1"/>
+          </p:cNvSpPr>
+          <p:nvPr>
+            <p:ph idx="1"/>
+          </p:nvPr>
+        </p:nvSpPr>
+        <p:spPr/>
+        <p:txBody>
+          <a:bodyPr/>
+          <a:lstStyle/>
+          <a:p>
+            <a:r>
+              <a:rPr lang="en-US" dirty="0"/>
+              <a:t>find </a:t>
+            </a:r>
+            <a:r>
+              <a:rPr lang="en-US" dirty="0" err="1"/>
+              <a:t>path_to_folder</a:t>
+            </a:r>
+            <a:r>
+              <a:rPr lang="en-US" dirty="0"/>
+              <a:t> *name*</a:t>
+            </a:r>
+          </a:p>
+          <a:p>
+            <a:pPr lvl="1"/>
+            <a:r>
+              <a:rPr lang="en-US" dirty="0" err="1"/>
+              <a:t>Tìm</a:t>
+            </a:r>
+            <a:r>
+              <a:rPr lang="en-US" dirty="0"/>
+              <a:t> </a:t>
+            </a:r>
+            <a:r>
+              <a:rPr lang="en-US" dirty="0" err="1"/>
+              <a:t>kiếm</a:t>
+            </a:r>
+            <a:r>
+              <a:rPr lang="en-US" dirty="0"/>
+              <a:t> </a:t>
+            </a:r>
+            <a:r>
+              <a:rPr lang="en-US" dirty="0" err="1"/>
+              <a:t>tất</a:t>
+            </a:r>
+            <a:r>
+              <a:rPr lang="en-US" dirty="0"/>
+              <a:t> </a:t>
+            </a:r>
+            <a:r>
+              <a:rPr lang="en-US" dirty="0" err="1"/>
+              <a:t>cả</a:t>
+            </a:r>
+            <a:r>
+              <a:rPr lang="en-US" dirty="0"/>
+              <a:t> </a:t>
+            </a:r>
+            <a:r>
+              <a:rPr lang="en-US" dirty="0" err="1"/>
+              <a:t>các</a:t>
+            </a:r>
+            <a:r>
+              <a:rPr lang="en-US" dirty="0"/>
+              <a:t> file </a:t>
+            </a:r>
+            <a:r>
+              <a:rPr lang="en-US" dirty="0" err="1"/>
+              <a:t>có</a:t>
+            </a:r>
+            <a:r>
+              <a:rPr lang="en-US" dirty="0"/>
+              <a:t> </a:t>
+            </a:r>
+            <a:r>
+              <a:rPr lang="en-US" dirty="0" err="1"/>
+              <a:t>chứa</a:t>
+            </a:r>
+            <a:r>
+              <a:rPr lang="en-US" dirty="0"/>
+              <a:t> </a:t>
+            </a:r>
+            <a:r>
+              <a:rPr lang="en-US" dirty="0" err="1"/>
+              <a:t>chuỗi</a:t>
+            </a:r>
+            <a:r>
+              <a:rPr lang="en-US" dirty="0"/>
+              <a:t> name </a:t>
+            </a:r>
+            <a:r>
+              <a:rPr lang="en-US" dirty="0" err="1"/>
+              <a:t>trong</a:t>
+            </a:r>
+            <a:r>
+              <a:rPr lang="en-US" dirty="0"/>
+              <a:t> </a:t>
+            </a:r>
+            <a:r>
+              <a:rPr lang="en-US" dirty="0" err="1"/>
+              <a:t>foler</a:t>
+            </a:r>
+            <a:r>
+              <a:rPr lang="en-US" dirty="0"/>
+              <a:t> </a:t>
+            </a:r>
+            <a:r>
+              <a:rPr lang="en-US" dirty="0" err="1"/>
+              <a:t>path_to_folder</a:t>
             </a:r>
             <a:endParaRPr lang="en-US" dirty="0"/>
           </a:p>
-        </p:txBody>
-      </p:sp>
-      <p:sp>
-        <p:nvSpPr>
-          <p:cNvPr id="3" name="Content Placeholder 2"/>
-          <p:cNvSpPr>
-            <a:spLocks noGrp="1"/>
-          </p:cNvSpPr>
-          <p:nvPr>
-            <p:ph idx="1"/>
-          </p:nvPr>
-        </p:nvSpPr>
-        <p:spPr/>
-        <p:txBody>
-          <a:bodyPr/>
-          <a:lstStyle/>
-          <a:p>
-            <a:r>
-              <a:rPr lang="en-US" dirty="0" err="1"/>
-              <a:t>Là</a:t>
-            </a:r>
-            <a:r>
-              <a:rPr lang="en-US" dirty="0"/>
-              <a:t> </a:t>
-            </a:r>
-            <a:r>
-              <a:rPr lang="en-US" dirty="0" err="1"/>
-              <a:t>công</a:t>
-            </a:r>
-            <a:r>
-              <a:rPr lang="en-US" dirty="0"/>
-              <a:t> </a:t>
-            </a:r>
-            <a:r>
-              <a:rPr lang="en-US" dirty="0" err="1"/>
-              <a:t>cụ</a:t>
-            </a:r>
-            <a:r>
-              <a:rPr lang="en-US" dirty="0"/>
-              <a:t> </a:t>
-            </a:r>
-            <a:r>
-              <a:rPr lang="en-US" dirty="0" err="1"/>
-              <a:t>phân</a:t>
-            </a:r>
-            <a:r>
-              <a:rPr lang="en-US" dirty="0"/>
-              <a:t> </a:t>
-            </a:r>
-            <a:r>
-              <a:rPr lang="en-US" dirty="0" err="1"/>
-              <a:t>tích</a:t>
-            </a:r>
-            <a:r>
-              <a:rPr lang="en-US" dirty="0"/>
-              <a:t>, </a:t>
-            </a:r>
-            <a:r>
-              <a:rPr lang="en-US" dirty="0" err="1"/>
-              <a:t>hỗ</a:t>
-            </a:r>
-            <a:r>
-              <a:rPr lang="en-US" dirty="0"/>
-              <a:t> </a:t>
-            </a:r>
-            <a:r>
-              <a:rPr lang="en-US" dirty="0" err="1"/>
-              <a:t>trợ</a:t>
-            </a:r>
-            <a:r>
-              <a:rPr lang="en-US" dirty="0"/>
-              <a:t> </a:t>
-            </a:r>
-            <a:r>
-              <a:rPr lang="en-US" dirty="0" err="1"/>
-              <a:t>tìm</a:t>
+          <a:p>
+            <a:r>
+              <a:rPr lang="en-US" dirty="0"/>
+              <a:t>grep -</a:t>
+            </a:r>
+            <a:r>
+              <a:rPr lang="en-US" dirty="0" err="1"/>
+              <a:t>nrwI</a:t>
+            </a:r>
+            <a:r>
+              <a:rPr lang="en-US" dirty="0"/>
+              <a:t> string </a:t>
+            </a:r>
+            <a:r>
+              <a:rPr lang="en-US" dirty="0" err="1"/>
+              <a:t>path_to_folder</a:t>
+            </a:r>
+            <a:endParaRPr lang="en-US" dirty="0"/>
+          </a:p>
+          <a:p>
+            <a:pPr lvl="1"/>
+            <a:r>
+              <a:rPr lang="en-US" dirty="0" err="1"/>
+              <a:t>Tìm</a:t>
             </a:r>
             <a:r>
               <a:rPr lang="en-US" dirty="0"/>
@@ -5314,7 +5312,15 @@
             </a:r>
             <a:r>
               <a:rPr lang="en-US" dirty="0"/>
-              <a:t> source code </a:t>
+              <a:t> </a:t>
+            </a:r>
+            <a:r>
+              <a:rPr lang="en-US" dirty="0" err="1"/>
+              <a:t>chuỗi</a:t>
+            </a:r>
+            <a:r>
+              <a:rPr lang="en-US" dirty="0"/>
+              <a:t> string </a:t>
             </a:r>
             <a:r>
               <a:rPr lang="en-US" dirty="0" err="1"/>
@@ -5322,45 +5328,31 @@
             </a:r>
             <a:r>
               <a:rPr lang="en-US" dirty="0"/>
-              <a:t> </a:t>
-            </a:r>
-            <a:r>
-              <a:rPr lang="en-US" dirty="0" err="1"/>
-              <a:t>chế</a:t>
-            </a:r>
-            <a:r>
-              <a:rPr lang="en-US" dirty="0"/>
-              <a:t> </a:t>
-            </a:r>
-            <a:r>
-              <a:rPr lang="en-US" dirty="0" err="1"/>
-              <a:t>độ</a:t>
-            </a:r>
-            <a:r>
-              <a:rPr lang="en-US" dirty="0"/>
-              <a:t> console</a:t>
-            </a:r>
-          </a:p>
-          <a:p>
-            <a:r>
-              <a:rPr lang="en-US" dirty="0" err="1"/>
-              <a:t>Cách</a:t>
-            </a:r>
-            <a:r>
-              <a:rPr lang="en-US" dirty="0"/>
-              <a:t> </a:t>
-            </a:r>
-            <a:r>
-              <a:rPr lang="en-US" dirty="0" err="1"/>
-              <a:t>sử</a:t>
-            </a:r>
-            <a:r>
-              <a:rPr lang="en-US" dirty="0"/>
-              <a:t> </a:t>
-            </a:r>
-            <a:r>
-              <a:rPr lang="en-US"/>
-              <a:t>dụng</a:t>
+              <a:t> folder </a:t>
+            </a:r>
+            <a:r>
+              <a:rPr lang="en-US" dirty="0" err="1"/>
+              <a:t>path_to_folder</a:t>
+            </a:r>
+            <a:endParaRPr lang="en-US" dirty="0"/>
+          </a:p>
+          <a:p>
+            <a:pPr lvl="1"/>
+            <a:r>
+              <a:rPr lang="en-US" dirty="0"/>
+              <a:t>options </a:t>
+            </a:r>
+            <a:r>
+              <a:rPr lang="en-US" dirty="0" err="1"/>
+              <a:t>nrwI</a:t>
+            </a:r>
+            <a:endParaRPr lang="en-US" dirty="0"/>
+          </a:p>
+          <a:p>
+            <a:pPr lvl="1"/>
+            <a:r>
+              <a:rPr lang="en-US" dirty="0"/>
+              <a:t>option --include</a:t>
             </a:r>
           </a:p>
         </p:txBody>
@@ -5413,7 +5405,7 @@
     </p:spTree>
     <p:extLst>
       <p:ext uri="{BB962C8B-B14F-4D97-AF65-F5344CB8AC3E}">
-        <p14:creationId xmlns:p14="http://schemas.microsoft.com/office/powerpoint/2010/main" val="2352078043"/>
+        <p14:creationId xmlns:p14="http://schemas.microsoft.com/office/powerpoint/2010/main" val="3219974491"/>
       </p:ext>
     </p:extLst>
   </p:cSld>
@@ -5447,6 +5439,512 @@
             <a:spLocks noGrp="1"/>
           </p:cNvSpPr>
           <p:nvPr>
+            <p:ph type="title"/>
+          </p:nvPr>
+        </p:nvSpPr>
+        <p:spPr/>
+        <p:txBody>
+          <a:bodyPr/>
+          <a:lstStyle/>
+          <a:p>
+            <a:r>
+              <a:rPr lang="en-US" dirty="0" err="1"/>
+              <a:t>cscope</a:t>
+            </a:r>
+            <a:endParaRPr lang="en-US" dirty="0"/>
+          </a:p>
+        </p:txBody>
+      </p:sp>
+      <p:sp>
+        <p:nvSpPr>
+          <p:cNvPr id="3" name="Content Placeholder 2"/>
+          <p:cNvSpPr>
+            <a:spLocks noGrp="1"/>
+          </p:cNvSpPr>
+          <p:nvPr>
+            <p:ph idx="1"/>
+          </p:nvPr>
+        </p:nvSpPr>
+        <p:spPr/>
+        <p:txBody>
+          <a:bodyPr/>
+          <a:lstStyle/>
+          <a:p>
+            <a:r>
+              <a:rPr lang="en-US" dirty="0" err="1"/>
+              <a:t>Là</a:t>
+            </a:r>
+            <a:r>
+              <a:rPr lang="en-US" dirty="0"/>
+              <a:t> </a:t>
+            </a:r>
+            <a:r>
+              <a:rPr lang="en-US" dirty="0" err="1"/>
+              <a:t>công</a:t>
+            </a:r>
+            <a:r>
+              <a:rPr lang="en-US" dirty="0"/>
+              <a:t> </a:t>
+            </a:r>
+            <a:r>
+              <a:rPr lang="en-US" dirty="0" err="1"/>
+              <a:t>cụ</a:t>
+            </a:r>
+            <a:r>
+              <a:rPr lang="en-US" dirty="0"/>
+              <a:t> </a:t>
+            </a:r>
+            <a:r>
+              <a:rPr lang="en-US" dirty="0" err="1"/>
+              <a:t>phân</a:t>
+            </a:r>
+            <a:r>
+              <a:rPr lang="en-US" dirty="0"/>
+              <a:t> </a:t>
+            </a:r>
+            <a:r>
+              <a:rPr lang="en-US" dirty="0" err="1"/>
+              <a:t>tích</a:t>
+            </a:r>
+            <a:r>
+              <a:rPr lang="en-US" dirty="0"/>
+              <a:t>, </a:t>
+            </a:r>
+            <a:r>
+              <a:rPr lang="en-US" dirty="0" err="1"/>
+              <a:t>hỗ</a:t>
+            </a:r>
+            <a:r>
+              <a:rPr lang="en-US" dirty="0"/>
+              <a:t> </a:t>
+            </a:r>
+            <a:r>
+              <a:rPr lang="en-US" dirty="0" err="1"/>
+              <a:t>trợ</a:t>
+            </a:r>
+            <a:r>
+              <a:rPr lang="en-US" dirty="0"/>
+              <a:t> </a:t>
+            </a:r>
+            <a:r>
+              <a:rPr lang="en-US" dirty="0" err="1"/>
+              <a:t>tìm</a:t>
+            </a:r>
+            <a:r>
+              <a:rPr lang="en-US" dirty="0"/>
+              <a:t> </a:t>
+            </a:r>
+            <a:r>
+              <a:rPr lang="en-US" dirty="0" err="1"/>
+              <a:t>kiếm</a:t>
+            </a:r>
+            <a:r>
+              <a:rPr lang="en-US" dirty="0"/>
+              <a:t> source code </a:t>
+            </a:r>
+            <a:r>
+              <a:rPr lang="en-US" dirty="0" err="1"/>
+              <a:t>trong</a:t>
+            </a:r>
+            <a:r>
+              <a:rPr lang="en-US" dirty="0"/>
+              <a:t> </a:t>
+            </a:r>
+            <a:r>
+              <a:rPr lang="en-US" dirty="0" err="1"/>
+              <a:t>chế</a:t>
+            </a:r>
+            <a:r>
+              <a:rPr lang="en-US" dirty="0"/>
+              <a:t> </a:t>
+            </a:r>
+            <a:r>
+              <a:rPr lang="en-US" dirty="0" err="1"/>
+              <a:t>độ</a:t>
+            </a:r>
+            <a:r>
+              <a:rPr lang="en-US" dirty="0"/>
+              <a:t> console</a:t>
+            </a:r>
+          </a:p>
+          <a:p>
+            <a:r>
+              <a:rPr lang="en-US" dirty="0" err="1"/>
+              <a:t>Cách</a:t>
+            </a:r>
+            <a:r>
+              <a:rPr lang="en-US" dirty="0"/>
+              <a:t> </a:t>
+            </a:r>
+            <a:r>
+              <a:rPr lang="en-US" dirty="0" err="1"/>
+              <a:t>sử</a:t>
+            </a:r>
+            <a:r>
+              <a:rPr lang="en-US" dirty="0"/>
+              <a:t> </a:t>
+            </a:r>
+            <a:r>
+              <a:rPr lang="en-US"/>
+              <a:t>dụng</a:t>
+            </a:r>
+          </a:p>
+        </p:txBody>
+      </p:sp>
+      <p:sp>
+        <p:nvSpPr>
+          <p:cNvPr id="4" name="Footer Placeholder 3"/>
+          <p:cNvSpPr>
+            <a:spLocks noGrp="1"/>
+          </p:cNvSpPr>
+          <p:nvPr>
+            <p:ph type="ftr" sz="quarter" idx="11"/>
+          </p:nvPr>
+        </p:nvSpPr>
+        <p:spPr/>
+        <p:txBody>
+          <a:bodyPr/>
+          <a:lstStyle/>
+          <a:p>
+            <a:r>
+              <a:rPr lang="en-US"/>
+              <a:t>©FPT SOFTWARE - Corporate Training Center - Internal Use</a:t>
+            </a:r>
+          </a:p>
+        </p:txBody>
+      </p:sp>
+      <p:sp>
+        <p:nvSpPr>
+          <p:cNvPr id="5" name="Slide Number Placeholder 4"/>
+          <p:cNvSpPr>
+            <a:spLocks noGrp="1"/>
+          </p:cNvSpPr>
+          <p:nvPr>
+            <p:ph type="sldNum" sz="quarter" idx="12"/>
+          </p:nvPr>
+        </p:nvSpPr>
+        <p:spPr/>
+        <p:txBody>
+          <a:bodyPr/>
+          <a:lstStyle/>
+          <a:p>
+            <a:fld id="{E3B08AF7-4237-6949-8335-F63F47C2C8CC}" type="slidenum">
+              <a:rPr lang="en-US" smtClean="0"/>
+              <a:t>16</a:t>
+            </a:fld>
+            <a:endParaRPr lang="en-US"/>
+          </a:p>
+        </p:txBody>
+      </p:sp>
+    </p:spTree>
+    <p:extLst>
+      <p:ext uri="{BB962C8B-B14F-4D97-AF65-F5344CB8AC3E}">
+        <p14:creationId xmlns:p14="http://schemas.microsoft.com/office/powerpoint/2010/main" val="2352078043"/>
+      </p:ext>
+    </p:extLst>
+  </p:cSld>
+  <p:clrMapOvr>
+    <a:masterClrMapping/>
+  </p:clrMapOvr>
+</p:sld>
+</file>
+
+<file path=ppt/slides/slide17.xml><?xml version="1.0" encoding="utf-8"?>
+<p:sld xmlns:a="http://schemas.openxmlformats.org/drawingml/2006/main" xmlns:r="http://schemas.openxmlformats.org/officeDocument/2006/relationships" xmlns:p="http://schemas.openxmlformats.org/presentationml/2006/main">
+  <p:cSld>
+    <p:spTree>
+      <p:nvGrpSpPr>
+        <p:cNvPr id="1" name=""/>
+        <p:cNvGrpSpPr/>
+        <p:nvPr/>
+      </p:nvGrpSpPr>
+      <p:grpSpPr>
+        <a:xfrm>
+          <a:off x="0" y="0"/>
+          <a:ext cx="0" cy="0"/>
+          <a:chOff x="0" y="0"/>
+          <a:chExt cx="0" cy="0"/>
+        </a:xfrm>
+      </p:grpSpPr>
+      <p:sp>
+        <p:nvSpPr>
+          <p:cNvPr id="2" name="Title 1"/>
+          <p:cNvSpPr>
+            <a:spLocks noGrp="1"/>
+          </p:cNvSpPr>
+          <p:nvPr>
+            <p:ph type="title"/>
+          </p:nvPr>
+        </p:nvSpPr>
+        <p:spPr/>
+        <p:txBody>
+          <a:bodyPr/>
+          <a:lstStyle/>
+          <a:p>
+            <a:r>
+              <a:rPr lang="vi-VN" sz="2400" dirty="0"/>
+              <a:t>Các kỹ thuật cơ bản khi lập trình trên Linux</a:t>
+            </a:r>
+            <a:endParaRPr lang="en-US" sz="2400" dirty="0"/>
+          </a:p>
+        </p:txBody>
+      </p:sp>
+      <p:sp>
+        <p:nvSpPr>
+          <p:cNvPr id="6" name="Text Placeholder 5"/>
+          <p:cNvSpPr>
+            <a:spLocks noGrp="1"/>
+          </p:cNvSpPr>
+          <p:nvPr>
+            <p:ph type="body" idx="1"/>
+          </p:nvPr>
+        </p:nvSpPr>
+        <p:spPr/>
+        <p:txBody>
+          <a:bodyPr>
+            <a:normAutofit/>
+          </a:bodyPr>
+          <a:lstStyle/>
+          <a:p>
+            <a:pPr algn="ctr"/>
+            <a:r>
+              <a:rPr lang="vi-VN" sz="3200">
+                <a:solidFill>
+                  <a:schemeClr val="tx1"/>
+                </a:solidFill>
+              </a:rPr>
+              <a:t>C</a:t>
+            </a:r>
+            <a:r>
+              <a:rPr lang="en-US" sz="3200">
+                <a:solidFill>
+                  <a:schemeClr val="tx1"/>
+                </a:solidFill>
+              </a:rPr>
+              <a:t>ài đặt VScode</a:t>
+            </a:r>
+            <a:endParaRPr lang="en-US" sz="3200" dirty="0">
+              <a:solidFill>
+                <a:schemeClr val="tx1"/>
+              </a:solidFill>
+            </a:endParaRPr>
+          </a:p>
+        </p:txBody>
+      </p:sp>
+      <p:sp>
+        <p:nvSpPr>
+          <p:cNvPr id="4" name="Footer Placeholder 3"/>
+          <p:cNvSpPr>
+            <a:spLocks noGrp="1"/>
+          </p:cNvSpPr>
+          <p:nvPr>
+            <p:ph type="ftr" sz="quarter" idx="11"/>
+          </p:nvPr>
+        </p:nvSpPr>
+        <p:spPr/>
+        <p:txBody>
+          <a:bodyPr/>
+          <a:lstStyle/>
+          <a:p>
+            <a:r>
+              <a:rPr lang="en-US"/>
+              <a:t>©FPT SOFTWARE - Corporate Training Center - Internal Use</a:t>
+            </a:r>
+          </a:p>
+        </p:txBody>
+      </p:sp>
+      <p:sp>
+        <p:nvSpPr>
+          <p:cNvPr id="5" name="Slide Number Placeholder 4"/>
+          <p:cNvSpPr>
+            <a:spLocks noGrp="1"/>
+          </p:cNvSpPr>
+          <p:nvPr>
+            <p:ph type="sldNum" sz="quarter" idx="12"/>
+          </p:nvPr>
+        </p:nvSpPr>
+        <p:spPr/>
+        <p:txBody>
+          <a:bodyPr/>
+          <a:lstStyle/>
+          <a:p>
+            <a:fld id="{E3B08AF7-4237-6949-8335-F63F47C2C8CC}" type="slidenum">
+              <a:rPr lang="en-US" smtClean="0"/>
+              <a:t>17</a:t>
+            </a:fld>
+            <a:endParaRPr lang="en-US"/>
+          </a:p>
+        </p:txBody>
+      </p:sp>
+    </p:spTree>
+    <p:extLst>
+      <p:ext uri="{BB962C8B-B14F-4D97-AF65-F5344CB8AC3E}">
+        <p14:creationId xmlns:p14="http://schemas.microsoft.com/office/powerpoint/2010/main" val="46258015"/>
+      </p:ext>
+    </p:extLst>
+  </p:cSld>
+  <p:clrMapOvr>
+    <a:masterClrMapping/>
+  </p:clrMapOvr>
+</p:sld>
+</file>
+
+<file path=ppt/slides/slide18.xml><?xml version="1.0" encoding="utf-8"?>
+<p:sld xmlns:a="http://schemas.openxmlformats.org/drawingml/2006/main" xmlns:r="http://schemas.openxmlformats.org/officeDocument/2006/relationships" xmlns:p="http://schemas.openxmlformats.org/presentationml/2006/main">
+  <p:cSld>
+    <p:spTree>
+      <p:nvGrpSpPr>
+        <p:cNvPr id="1" name=""/>
+        <p:cNvGrpSpPr/>
+        <p:nvPr/>
+      </p:nvGrpSpPr>
+      <p:grpSpPr>
+        <a:xfrm>
+          <a:off x="0" y="0"/>
+          <a:ext cx="0" cy="0"/>
+          <a:chOff x="0" y="0"/>
+          <a:chExt cx="0" cy="0"/>
+        </a:xfrm>
+      </p:grpSpPr>
+      <p:sp>
+        <p:nvSpPr>
+          <p:cNvPr id="2" name="Title 1"/>
+          <p:cNvSpPr>
+            <a:spLocks noGrp="1"/>
+          </p:cNvSpPr>
+          <p:nvPr>
+            <p:ph type="title"/>
+          </p:nvPr>
+        </p:nvSpPr>
+        <p:spPr/>
+        <p:txBody>
+          <a:bodyPr/>
+          <a:lstStyle/>
+          <a:p>
+            <a:r>
+              <a:rPr lang="en-US"/>
+              <a:t>Cài đặt Vscode</a:t>
+            </a:r>
+            <a:endParaRPr lang="en-US" dirty="0"/>
+          </a:p>
+        </p:txBody>
+      </p:sp>
+      <p:sp>
+        <p:nvSpPr>
+          <p:cNvPr id="3" name="Content Placeholder 2"/>
+          <p:cNvSpPr>
+            <a:spLocks noGrp="1"/>
+          </p:cNvSpPr>
+          <p:nvPr>
+            <p:ph idx="1"/>
+          </p:nvPr>
+        </p:nvSpPr>
+        <p:spPr/>
+        <p:txBody>
+          <a:bodyPr/>
+          <a:lstStyle/>
+          <a:p>
+            <a:r>
+              <a:rPr lang="en-US"/>
+              <a:t>Vscode là 1 bộ công cụ lập trình được Microsoft phát triển.</a:t>
+            </a:r>
+          </a:p>
+          <a:p>
+            <a:r>
+              <a:rPr lang="en-US"/>
+              <a:t>Vscode có 3 phiên bản cho Linux, windows và MacOS.</a:t>
+            </a:r>
+          </a:p>
+          <a:p>
+            <a:r>
+              <a:rPr lang="en-US"/>
+              <a:t>Phiên bản trên windows là xịn nhất.</a:t>
+            </a:r>
+          </a:p>
+        </p:txBody>
+      </p:sp>
+      <p:sp>
+        <p:nvSpPr>
+          <p:cNvPr id="4" name="Footer Placeholder 3"/>
+          <p:cNvSpPr>
+            <a:spLocks noGrp="1"/>
+          </p:cNvSpPr>
+          <p:nvPr>
+            <p:ph type="ftr" sz="quarter" idx="11"/>
+          </p:nvPr>
+        </p:nvSpPr>
+        <p:spPr/>
+        <p:txBody>
+          <a:bodyPr/>
+          <a:lstStyle/>
+          <a:p>
+            <a:r>
+              <a:rPr lang="en-US"/>
+              <a:t>©FPT SOFTWARE - Corporate Training Center - Internal Use</a:t>
+            </a:r>
+          </a:p>
+        </p:txBody>
+      </p:sp>
+      <p:sp>
+        <p:nvSpPr>
+          <p:cNvPr id="5" name="Slide Number Placeholder 4"/>
+          <p:cNvSpPr>
+            <a:spLocks noGrp="1"/>
+          </p:cNvSpPr>
+          <p:nvPr>
+            <p:ph type="sldNum" sz="quarter" idx="12"/>
+          </p:nvPr>
+        </p:nvSpPr>
+        <p:spPr/>
+        <p:txBody>
+          <a:bodyPr/>
+          <a:lstStyle/>
+          <a:p>
+            <a:fld id="{E3B08AF7-4237-6949-8335-F63F47C2C8CC}" type="slidenum">
+              <a:rPr lang="en-US" smtClean="0"/>
+              <a:t>18</a:t>
+            </a:fld>
+            <a:endParaRPr lang="en-US"/>
+          </a:p>
+        </p:txBody>
+      </p:sp>
+    </p:spTree>
+    <p:extLst>
+      <p:ext uri="{BB962C8B-B14F-4D97-AF65-F5344CB8AC3E}">
+        <p14:creationId xmlns:p14="http://schemas.microsoft.com/office/powerpoint/2010/main" val="3712190073"/>
+      </p:ext>
+    </p:extLst>
+  </p:cSld>
+  <p:clrMapOvr>
+    <a:masterClrMapping/>
+  </p:clrMapOvr>
+</p:sld>
+</file>
+
+<file path=ppt/slides/slide19.xml><?xml version="1.0" encoding="utf-8"?>
+<p:sld xmlns:a="http://schemas.openxmlformats.org/drawingml/2006/main" xmlns:r="http://schemas.openxmlformats.org/officeDocument/2006/relationships" xmlns:p="http://schemas.openxmlformats.org/presentationml/2006/main">
+  <p:cSld>
+    <p:spTree>
+      <p:nvGrpSpPr>
+        <p:cNvPr id="1" name=""/>
+        <p:cNvGrpSpPr/>
+        <p:nvPr/>
+      </p:nvGrpSpPr>
+      <p:grpSpPr>
+        <a:xfrm>
+          <a:off x="0" y="0"/>
+          <a:ext cx="0" cy="0"/>
+          <a:chOff x="0" y="0"/>
+          <a:chExt cx="0" cy="0"/>
+        </a:xfrm>
+      </p:grpSpPr>
+      <p:sp>
+        <p:nvSpPr>
+          <p:cNvPr id="2" name="Title 1"/>
+          <p:cNvSpPr>
+            <a:spLocks noGrp="1"/>
+          </p:cNvSpPr>
+          <p:nvPr>
             <p:ph type="ctrTitle"/>
           </p:nvPr>
         </p:nvSpPr>
@@ -5516,7 +6014,7 @@
           <a:p>
             <a:fld id="{E3B08AF7-4237-6949-8335-F63F47C2C8CC}" type="slidenum">
               <a:rPr lang="en-US" smtClean="0"/>
-              <a:t>16</a:t>
+              <a:t>19</a:t>
             </a:fld>
             <a:endParaRPr lang="en-US" dirty="0"/>
           </a:p>
@@ -5811,7 +6309,13 @@
       </p:grpSpPr>
       <p:sp>
         <p:nvSpPr>
-          <p:cNvPr id="6" name="Title 5"/>
+          <p:cNvPr id="2" name="Title 1">
+            <a:extLst>
+              <a:ext uri="{FF2B5EF4-FFF2-40B4-BE49-F238E27FC236}">
+                <a16:creationId xmlns:a16="http://schemas.microsoft.com/office/drawing/2014/main" id="{A835DEFB-1C69-6FCC-E226-232FCCBD0681}"/>
+              </a:ext>
+            </a:extLst>
+          </p:cNvPr>
           <p:cNvSpPr>
             <a:spLocks noGrp="1"/>
           </p:cNvSpPr>
@@ -5825,15 +6329,21 @@
           <a:lstStyle/>
           <a:p>
             <a:r>
-              <a:rPr lang="en-US" dirty="0"/>
-              <a:t>Agenda</a:t>
-            </a:r>
-          </a:p>
-        </p:txBody>
-      </p:sp>
-      <p:sp>
-        <p:nvSpPr>
-          <p:cNvPr id="7" name="Content Placeholder 6"/>
+              <a:rPr lang="en-US"/>
+              <a:t>Những điểm khác biệt</a:t>
+            </a:r>
+          </a:p>
+        </p:txBody>
+      </p:sp>
+      <p:sp>
+        <p:nvSpPr>
+          <p:cNvPr id="3" name="Content Placeholder 2">
+            <a:extLst>
+              <a:ext uri="{FF2B5EF4-FFF2-40B4-BE49-F238E27FC236}">
+                <a16:creationId xmlns:a16="http://schemas.microsoft.com/office/drawing/2014/main" id="{F014653F-975E-129C-CABF-DB13B010FA4B}"/>
+              </a:ext>
+            </a:extLst>
+          </p:cNvPr>
           <p:cNvSpPr>
             <a:spLocks noGrp="1"/>
           </p:cNvSpPr>
@@ -5843,145 +6353,61 @@
         </p:nvSpPr>
         <p:spPr/>
         <p:txBody>
-          <a:bodyPr/>
-          <a:lstStyle/>
-          <a:p>
-            <a:r>
-              <a:rPr lang="en-US" dirty="0" err="1"/>
-              <a:t>Giới</a:t>
-            </a:r>
-            <a:r>
-              <a:rPr lang="en-US" dirty="0"/>
-              <a:t> </a:t>
-            </a:r>
-            <a:r>
-              <a:rPr lang="en-US" dirty="0" err="1"/>
-              <a:t>thiệu</a:t>
-            </a:r>
-            <a:r>
-              <a:rPr lang="en-US" dirty="0"/>
-              <a:t> </a:t>
-            </a:r>
-            <a:r>
-              <a:rPr lang="en-US" dirty="0" err="1"/>
-              <a:t>về</a:t>
-            </a:r>
-            <a:r>
-              <a:rPr lang="en-US" dirty="0"/>
-              <a:t> </a:t>
-            </a:r>
-            <a:r>
-              <a:rPr lang="en-US" dirty="0" err="1"/>
-              <a:t>cách</a:t>
-            </a:r>
-            <a:r>
-              <a:rPr lang="en-US" dirty="0"/>
-              <a:t> </a:t>
-            </a:r>
-            <a:r>
-              <a:rPr lang="en-US" dirty="0" err="1"/>
-              <a:t>sử</a:t>
-            </a:r>
-            <a:r>
-              <a:rPr lang="en-US" dirty="0"/>
-              <a:t> </a:t>
-            </a:r>
-            <a:r>
-              <a:rPr lang="en-US" dirty="0" err="1"/>
-              <a:t>dụng</a:t>
-            </a:r>
-            <a:r>
-              <a:rPr lang="en-US" dirty="0"/>
-              <a:t> Linux </a:t>
-            </a:r>
-            <a:r>
-              <a:rPr lang="en-US" dirty="0" err="1"/>
-              <a:t>trong</a:t>
-            </a:r>
-            <a:r>
-              <a:rPr lang="en-US" dirty="0"/>
-              <a:t> </a:t>
-            </a:r>
-            <a:r>
-              <a:rPr lang="en-US" dirty="0" err="1"/>
-              <a:t>chế</a:t>
-            </a:r>
-            <a:r>
-              <a:rPr lang="en-US" dirty="0"/>
-              <a:t> </a:t>
-            </a:r>
-            <a:r>
-              <a:rPr lang="en-US" dirty="0" err="1"/>
-              <a:t>độ</a:t>
-            </a:r>
-            <a:r>
-              <a:rPr lang="en-US" dirty="0"/>
-              <a:t> console</a:t>
-            </a:r>
-          </a:p>
-          <a:p>
-            <a:r>
-              <a:rPr lang="en-US" dirty="0" err="1"/>
-              <a:t>Cách</a:t>
-            </a:r>
-            <a:r>
-              <a:rPr lang="en-US" dirty="0"/>
-              <a:t> </a:t>
-            </a:r>
-            <a:r>
-              <a:rPr lang="en-US" dirty="0" err="1"/>
-              <a:t>lập</a:t>
-            </a:r>
-            <a:r>
-              <a:rPr lang="en-US" dirty="0"/>
-              <a:t> </a:t>
-            </a:r>
-            <a:r>
-              <a:rPr lang="en-US" dirty="0" err="1"/>
-              <a:t>trình</a:t>
-            </a:r>
-            <a:r>
-              <a:rPr lang="en-US" dirty="0"/>
-              <a:t> </a:t>
-            </a:r>
-            <a:r>
-              <a:rPr lang="en-US" dirty="0" err="1"/>
-              <a:t>và</a:t>
-            </a:r>
-            <a:r>
-              <a:rPr lang="en-US" dirty="0"/>
-              <a:t> debug </a:t>
-            </a:r>
-            <a:r>
-              <a:rPr lang="en-US" dirty="0" err="1"/>
-              <a:t>chương</a:t>
-            </a:r>
-            <a:r>
-              <a:rPr lang="en-US" dirty="0"/>
-              <a:t> </a:t>
-            </a:r>
-            <a:r>
-              <a:rPr lang="en-US" dirty="0" err="1"/>
-              <a:t>trình</a:t>
-            </a:r>
-            <a:r>
-              <a:rPr lang="en-US" dirty="0"/>
-              <a:t> </a:t>
-            </a:r>
-            <a:r>
-              <a:rPr lang="en-US" dirty="0" err="1"/>
-              <a:t>trên</a:t>
-            </a:r>
-            <a:r>
-              <a:rPr lang="en-US" dirty="0"/>
-              <a:t> Linux</a:t>
-            </a:r>
-          </a:p>
-        </p:txBody>
-      </p:sp>
-      <p:sp>
-        <p:nvSpPr>
-          <p:cNvPr id="4" name="Footer Placeholder 3"/>
+          <a:bodyPr>
+            <a:normAutofit fontScale="92500" lnSpcReduction="10000"/>
+          </a:bodyPr>
+          <a:lstStyle/>
+          <a:p>
+            <a:r>
+              <a:rPr lang="en-US"/>
+              <a:t>Khoá học Linux này được thiết kế với tư tưởng khác biệt với các khoá học online hiện có.</a:t>
+            </a:r>
+          </a:p>
+          <a:p>
+            <a:r>
+              <a:rPr lang="en-US"/>
+              <a:t>Mục tiêu cốt lõi: Giúp người mới tham gia vào lĩnh vực embedded Linux một cách dễ dàng nhất.</a:t>
+            </a:r>
+          </a:p>
+          <a:p>
+            <a:pPr lvl="1"/>
+            <a:r>
+              <a:rPr lang="en-US"/>
+              <a:t>Đào tạo kiến thức.</a:t>
+            </a:r>
+          </a:p>
+          <a:p>
+            <a:pPr lvl="1"/>
+            <a:r>
+              <a:rPr lang="en-US"/>
+              <a:t>Chia sẻ về bức tranh tổng thể của nghề nghiệp.</a:t>
+            </a:r>
+          </a:p>
+          <a:p>
+            <a:pPr lvl="1"/>
+            <a:r>
+              <a:rPr lang="en-US"/>
+              <a:t>Hỗ trợ việc làm.</a:t>
+            </a:r>
+          </a:p>
+          <a:p>
+            <a:pPr lvl="1"/>
+            <a:r>
+              <a:rPr lang="en-US"/>
+              <a:t>Hướng dẫn làm project để bổ sung kinh nghiệm.</a:t>
+            </a:r>
+          </a:p>
+        </p:txBody>
+      </p:sp>
+      <p:sp>
+        <p:nvSpPr>
+          <p:cNvPr id="4" name="Footer Placeholder 3">
+            <a:extLst>
+              <a:ext uri="{FF2B5EF4-FFF2-40B4-BE49-F238E27FC236}">
+                <a16:creationId xmlns:a16="http://schemas.microsoft.com/office/drawing/2014/main" id="{349ACBD8-E311-6EC4-3E0E-A54AECD1AD0F}"/>
+              </a:ext>
+            </a:extLst>
+          </p:cNvPr>
           <p:cNvSpPr>
             <a:spLocks noGrp="1"/>
           </p:cNvSpPr>
@@ -6003,7 +6429,13 @@
       </p:sp>
       <p:sp>
         <p:nvSpPr>
-          <p:cNvPr id="5" name="Slide Number Placeholder 4"/>
+          <p:cNvPr id="5" name="Slide Number Placeholder 4">
+            <a:extLst>
+              <a:ext uri="{FF2B5EF4-FFF2-40B4-BE49-F238E27FC236}">
+                <a16:creationId xmlns:a16="http://schemas.microsoft.com/office/drawing/2014/main" id="{0A2F197F-4056-57B3-C744-80F3F05FE3A1}"/>
+              </a:ext>
+            </a:extLst>
+          </p:cNvPr>
           <p:cNvSpPr>
             <a:spLocks noGrp="1"/>
           </p:cNvSpPr>
@@ -6027,7 +6459,7 @@
     </p:spTree>
     <p:extLst>
       <p:ext uri="{BB962C8B-B14F-4D97-AF65-F5344CB8AC3E}">
-        <p14:creationId xmlns:p14="http://schemas.microsoft.com/office/powerpoint/2010/main" val="1664658476"/>
+        <p14:creationId xmlns:p14="http://schemas.microsoft.com/office/powerpoint/2010/main" val="620039103"/>
       </p:ext>
     </p:extLst>
   </p:cSld>
@@ -6070,10 +6502,9 @@
           <a:lstStyle/>
           <a:p>
             <a:r>
-              <a:rPr lang="vi-VN" sz="3200" dirty="0"/>
-              <a:t>Ưu nhược điểm của embedded Linux</a:t>
-            </a:r>
-            <a:endParaRPr lang="en-US" sz="3200" dirty="0"/>
+              <a:rPr lang="en-US" dirty="0"/>
+              <a:t>Agenda</a:t>
+            </a:r>
           </a:p>
         </p:txBody>
       </p:sp>
@@ -6093,275 +6524,135 @@
           <a:lstStyle/>
           <a:p>
             <a:r>
-              <a:rPr lang="en-US" dirty="0">
-                <a:solidFill>
-                  <a:srgbClr val="0070C0"/>
-                </a:solidFill>
-              </a:rPr>
-              <a:t>Rich user interface</a:t>
-            </a:r>
-          </a:p>
-          <a:p>
-            <a:r>
-              <a:rPr lang="en-US" dirty="0">
-                <a:solidFill>
-                  <a:srgbClr val="0070C0"/>
-                </a:solidFill>
-              </a:rPr>
-              <a:t>Open source</a:t>
-            </a:r>
-          </a:p>
-          <a:p>
-            <a:r>
-              <a:rPr lang="vi-VN" dirty="0">
-                <a:solidFill>
-                  <a:srgbClr val="0070C0"/>
-                </a:solidFill>
-              </a:rPr>
-              <a:t>Có nhiều thư viện hỗ trợ</a:t>
-            </a:r>
-            <a:endParaRPr lang="en-US" dirty="0">
-              <a:solidFill>
-                <a:srgbClr val="0070C0"/>
-              </a:solidFill>
-            </a:endParaRPr>
-          </a:p>
-          <a:p>
-            <a:r>
-              <a:rPr lang="en-US" dirty="0" err="1">
-                <a:solidFill>
-                  <a:srgbClr val="0070C0"/>
-                </a:solidFill>
-              </a:rPr>
-              <a:t>Cộng</a:t>
-            </a:r>
-            <a:r>
-              <a:rPr lang="en-US" dirty="0">
-                <a:solidFill>
-                  <a:srgbClr val="0070C0"/>
-                </a:solidFill>
-              </a:rPr>
-              <a:t> </a:t>
-            </a:r>
-            <a:r>
-              <a:rPr lang="en-US" dirty="0" err="1">
-                <a:solidFill>
-                  <a:srgbClr val="0070C0"/>
-                </a:solidFill>
-              </a:rPr>
-              <a:t>đồng</a:t>
-            </a:r>
-            <a:r>
-              <a:rPr lang="en-US" dirty="0">
-                <a:solidFill>
-                  <a:srgbClr val="0070C0"/>
-                </a:solidFill>
-              </a:rPr>
-              <a:t> </a:t>
-            </a:r>
-            <a:r>
-              <a:rPr lang="en-US" dirty="0" err="1">
-                <a:solidFill>
-                  <a:srgbClr val="0070C0"/>
-                </a:solidFill>
-              </a:rPr>
+              <a:rPr lang="en-US" dirty="0" err="1"/>
+              <a:t>Giới</a:t>
+            </a:r>
+            <a:r>
+              <a:rPr lang="en-US" dirty="0"/>
+              <a:t> </a:t>
+            </a:r>
+            <a:r>
+              <a:rPr lang="en-US" dirty="0" err="1"/>
+              <a:t>thiệu</a:t>
+            </a:r>
+            <a:r>
+              <a:rPr lang="en-US" dirty="0"/>
+              <a:t> </a:t>
+            </a:r>
+            <a:r>
+              <a:rPr lang="en-US" dirty="0" err="1"/>
+              <a:t>về</a:t>
+            </a:r>
+            <a:r>
+              <a:rPr lang="en-US" dirty="0"/>
+              <a:t> </a:t>
+            </a:r>
+            <a:r>
+              <a:rPr lang="en-US" dirty="0" err="1"/>
+              <a:t>cách</a:t>
+            </a:r>
+            <a:r>
+              <a:rPr lang="en-US" dirty="0"/>
+              <a:t> </a:t>
+            </a:r>
+            <a:r>
+              <a:rPr lang="en-US" dirty="0" err="1"/>
+              <a:t>sử</a:t>
+            </a:r>
+            <a:r>
+              <a:rPr lang="en-US" dirty="0"/>
+              <a:t> </a:t>
+            </a:r>
+            <a:r>
+              <a:rPr lang="en-US" dirty="0" err="1"/>
+              <a:t>dụng</a:t>
+            </a:r>
+            <a:r>
+              <a:rPr lang="en-US" dirty="0"/>
+              <a:t> Linux </a:t>
+            </a:r>
+            <a:r>
+              <a:rPr lang="en-US" dirty="0" err="1"/>
+              <a:t>trong</a:t>
+            </a:r>
+            <a:r>
+              <a:rPr lang="en-US" dirty="0"/>
+              <a:t> </a:t>
+            </a:r>
+            <a:r>
+              <a:rPr lang="en-US" dirty="0" err="1"/>
+              <a:t>chế</a:t>
+            </a:r>
+            <a:r>
+              <a:rPr lang="en-US" dirty="0"/>
+              <a:t> </a:t>
+            </a:r>
+            <a:r>
+              <a:rPr lang="en-US" dirty="0" err="1"/>
+              <a:t>độ</a:t>
+            </a:r>
+            <a:r>
+              <a:rPr lang="en-US" dirty="0"/>
+              <a:t> console</a:t>
+            </a:r>
+          </a:p>
+          <a:p>
+            <a:r>
+              <a:rPr lang="en-US" dirty="0" err="1"/>
+              <a:t>Cách</a:t>
+            </a:r>
+            <a:r>
+              <a:rPr lang="en-US" dirty="0"/>
+              <a:t> </a:t>
+            </a:r>
+            <a:r>
+              <a:rPr lang="en-US" dirty="0" err="1"/>
               <a:t>lập</a:t>
             </a:r>
             <a:r>
-              <a:rPr lang="en-US" dirty="0">
-                <a:solidFill>
-                  <a:srgbClr val="0070C0"/>
-                </a:solidFill>
-              </a:rPr>
-              <a:t> </a:t>
-            </a:r>
-            <a:r>
-              <a:rPr lang="en-US" dirty="0" err="1">
-                <a:solidFill>
-                  <a:srgbClr val="0070C0"/>
-                </a:solidFill>
-              </a:rPr>
+              <a:rPr lang="en-US" dirty="0"/>
+              <a:t> </a:t>
+            </a:r>
+            <a:r>
+              <a:rPr lang="en-US" dirty="0" err="1"/>
               <a:t>trình</a:t>
             </a:r>
             <a:r>
-              <a:rPr lang="en-US" dirty="0">
-                <a:solidFill>
-                  <a:srgbClr val="0070C0"/>
-                </a:solidFill>
-              </a:rPr>
-              <a:t> </a:t>
-            </a:r>
-            <a:r>
-              <a:rPr lang="en-US" dirty="0" err="1">
-                <a:solidFill>
-                  <a:srgbClr val="0070C0"/>
-                </a:solidFill>
-              </a:rPr>
-              <a:t>viên</a:t>
-            </a:r>
-            <a:r>
-              <a:rPr lang="en-US" dirty="0">
-                <a:solidFill>
-                  <a:srgbClr val="0070C0"/>
-                </a:solidFill>
-              </a:rPr>
-              <a:t> </a:t>
-            </a:r>
-            <a:r>
-              <a:rPr lang="en-US" dirty="0" err="1">
-                <a:solidFill>
-                  <a:srgbClr val="0070C0"/>
-                </a:solidFill>
-              </a:rPr>
-              <a:t>lớn</a:t>
-            </a:r>
-            <a:endParaRPr lang="en-US" dirty="0">
-              <a:solidFill>
-                <a:srgbClr val="0070C0"/>
-              </a:solidFill>
-            </a:endParaRPr>
-          </a:p>
-          <a:p>
-            <a:r>
-              <a:rPr lang="en-US" dirty="0" err="1">
-                <a:solidFill>
-                  <a:srgbClr val="C00000"/>
-                </a:solidFill>
-              </a:rPr>
-              <a:t>Hệ</a:t>
-            </a:r>
-            <a:r>
-              <a:rPr lang="en-US" dirty="0">
-                <a:solidFill>
-                  <a:srgbClr val="C00000"/>
-                </a:solidFill>
-              </a:rPr>
-              <a:t> </a:t>
-            </a:r>
-            <a:r>
-              <a:rPr lang="en-US" dirty="0" err="1">
-                <a:solidFill>
-                  <a:srgbClr val="C00000"/>
-                </a:solidFill>
-              </a:rPr>
-              <a:t>thống</a:t>
-            </a:r>
-            <a:r>
-              <a:rPr lang="en-US" dirty="0">
-                <a:solidFill>
-                  <a:srgbClr val="C00000"/>
-                </a:solidFill>
-              </a:rPr>
-              <a:t> </a:t>
-            </a:r>
-            <a:r>
-              <a:rPr lang="en-US" dirty="0" err="1">
-                <a:solidFill>
-                  <a:srgbClr val="C00000"/>
-                </a:solidFill>
-              </a:rPr>
-              <a:t>kém</a:t>
-            </a:r>
-            <a:r>
-              <a:rPr lang="en-US" dirty="0">
-                <a:solidFill>
-                  <a:srgbClr val="C00000"/>
-                </a:solidFill>
-              </a:rPr>
-              <a:t> </a:t>
-            </a:r>
-            <a:r>
-              <a:rPr lang="en-US" dirty="0" err="1">
-                <a:solidFill>
-                  <a:srgbClr val="C00000"/>
-                </a:solidFill>
-              </a:rPr>
-              <a:t>ổn</a:t>
-            </a:r>
-            <a:r>
-              <a:rPr lang="en-US" dirty="0">
-                <a:solidFill>
-                  <a:srgbClr val="C00000"/>
-                </a:solidFill>
-              </a:rPr>
-              <a:t> </a:t>
-            </a:r>
-            <a:r>
-              <a:rPr lang="en-US" dirty="0" err="1">
-                <a:solidFill>
-                  <a:srgbClr val="C00000"/>
-                </a:solidFill>
-              </a:rPr>
-              <a:t>định</a:t>
-            </a:r>
-            <a:endParaRPr lang="en-US" dirty="0">
-              <a:solidFill>
-                <a:srgbClr val="C00000"/>
-              </a:solidFill>
-            </a:endParaRPr>
-          </a:p>
-          <a:p>
-            <a:r>
-              <a:rPr lang="en-US" dirty="0" err="1">
-                <a:solidFill>
-                  <a:srgbClr val="C00000"/>
-                </a:solidFill>
-              </a:rPr>
-              <a:t>Tiêu</a:t>
-            </a:r>
-            <a:r>
-              <a:rPr lang="en-US" dirty="0">
-                <a:solidFill>
-                  <a:srgbClr val="C00000"/>
-                </a:solidFill>
-              </a:rPr>
-              <a:t> </a:t>
-            </a:r>
-            <a:r>
-              <a:rPr lang="en-US" dirty="0" err="1">
-                <a:solidFill>
-                  <a:srgbClr val="C00000"/>
-                </a:solidFill>
-              </a:rPr>
-              <a:t>tốn</a:t>
-            </a:r>
-            <a:r>
-              <a:rPr lang="en-US" dirty="0">
-                <a:solidFill>
-                  <a:srgbClr val="C00000"/>
-                </a:solidFill>
-              </a:rPr>
-              <a:t> </a:t>
-            </a:r>
-            <a:r>
-              <a:rPr lang="en-US" dirty="0" err="1">
-                <a:solidFill>
-                  <a:srgbClr val="C00000"/>
-                </a:solidFill>
-              </a:rPr>
-              <a:t>tài</a:t>
-            </a:r>
-            <a:r>
-              <a:rPr lang="en-US" dirty="0">
-                <a:solidFill>
-                  <a:srgbClr val="C00000"/>
-                </a:solidFill>
-              </a:rPr>
-              <a:t> </a:t>
-            </a:r>
-            <a:r>
-              <a:rPr lang="en-US" dirty="0" err="1">
-                <a:solidFill>
-                  <a:srgbClr val="C00000"/>
-                </a:solidFill>
-              </a:rPr>
-              <a:t>nguyên</a:t>
-            </a:r>
-            <a:endParaRPr lang="en-US" dirty="0">
-              <a:solidFill>
-                <a:srgbClr val="C00000"/>
-              </a:solidFill>
-            </a:endParaRPr>
+              <a:rPr lang="en-US" dirty="0"/>
+              <a:t> </a:t>
+            </a:r>
+            <a:r>
+              <a:rPr lang="en-US" dirty="0" err="1"/>
+              <a:t>và</a:t>
+            </a:r>
+            <a:r>
+              <a:rPr lang="en-US" dirty="0"/>
+              <a:t> debug </a:t>
+            </a:r>
+            <a:r>
+              <a:rPr lang="en-US" dirty="0" err="1"/>
+              <a:t>chương</a:t>
+            </a:r>
+            <a:r>
+              <a:rPr lang="en-US" dirty="0"/>
+              <a:t> </a:t>
+            </a:r>
+            <a:r>
+              <a:rPr lang="en-US" dirty="0" err="1"/>
+              <a:t>trình</a:t>
+            </a:r>
+            <a:r>
+              <a:rPr lang="en-US" dirty="0"/>
+              <a:t> </a:t>
+            </a:r>
+            <a:r>
+              <a:rPr lang="en-US" dirty="0" err="1"/>
+              <a:t>trên</a:t>
+            </a:r>
+            <a:r>
+              <a:rPr lang="en-US" dirty="0"/>
+              <a:t> Linux</a:t>
+            </a:r>
           </a:p>
         </p:txBody>
       </p:sp>
@@ -6413,7 +6704,7 @@
     </p:spTree>
     <p:extLst>
       <p:ext uri="{BB962C8B-B14F-4D97-AF65-F5344CB8AC3E}">
-        <p14:creationId xmlns:p14="http://schemas.microsoft.com/office/powerpoint/2010/main" val="1496180061"/>
+        <p14:creationId xmlns:p14="http://schemas.microsoft.com/office/powerpoint/2010/main" val="1664658476"/>
       </p:ext>
     </p:extLst>
   </p:cSld>
@@ -6442,7 +6733,7 @@
       </p:grpSpPr>
       <p:sp>
         <p:nvSpPr>
-          <p:cNvPr id="2" name="Title 1"/>
+          <p:cNvPr id="6" name="Title 5"/>
           <p:cNvSpPr>
             <a:spLocks noGrp="1"/>
           </p:cNvSpPr>
@@ -6456,32 +6747,16 @@
           <a:lstStyle/>
           <a:p>
             <a:r>
-              <a:rPr lang="en-US" dirty="0" err="1"/>
-              <a:t>Các</a:t>
-            </a:r>
-            <a:r>
-              <a:rPr lang="en-US" dirty="0"/>
-              <a:t> command line </a:t>
-            </a:r>
-            <a:r>
-              <a:rPr lang="en-US" dirty="0" err="1"/>
-              <a:t>cơ</a:t>
-            </a:r>
-            <a:r>
-              <a:rPr lang="en-US" dirty="0"/>
-              <a:t> </a:t>
-            </a:r>
-            <a:r>
-              <a:rPr lang="en-US" dirty="0" err="1"/>
-              <a:t>bản</a:t>
-            </a:r>
-            <a:endParaRPr lang="en-US" dirty="0"/>
-          </a:p>
-        </p:txBody>
-      </p:sp>
-      <p:sp>
-        <p:nvSpPr>
-          <p:cNvPr id="3" name="Content Placeholder 2"/>
+              <a:rPr lang="vi-VN" sz="3200" dirty="0"/>
+              <a:t>Ưu nhược điểm của embedded Linux</a:t>
+            </a:r>
+            <a:endParaRPr lang="en-US" sz="3200" dirty="0"/>
+          </a:p>
+        </p:txBody>
+      </p:sp>
+      <p:sp>
+        <p:nvSpPr>
+          <p:cNvPr id="7" name="Content Placeholder 6"/>
           <p:cNvSpPr>
             <a:spLocks noGrp="1"/>
           </p:cNvSpPr>
@@ -6491,201 +6766,279 @@
         </p:nvSpPr>
         <p:spPr/>
         <p:txBody>
-          <a:bodyPr>
-            <a:normAutofit/>
-          </a:bodyPr>
-          <a:lstStyle/>
-          <a:p>
-            <a:r>
-              <a:rPr lang="en-US" dirty="0" err="1"/>
-              <a:t>Khác</a:t>
-            </a:r>
-            <a:r>
-              <a:rPr lang="en-US" dirty="0"/>
-              <a:t> </a:t>
-            </a:r>
-            <a:r>
-              <a:rPr lang="en-US" dirty="0" err="1"/>
-              <a:t>với</a:t>
-            </a:r>
-            <a:r>
-              <a:rPr lang="en-US" dirty="0"/>
-              <a:t> Window, Linux </a:t>
-            </a:r>
-            <a:r>
-              <a:rPr lang="en-US" dirty="0" err="1"/>
-              <a:t>được</a:t>
-            </a:r>
-            <a:r>
-              <a:rPr lang="en-US" dirty="0"/>
-              <a:t> </a:t>
-            </a:r>
-            <a:r>
-              <a:rPr lang="en-US" dirty="0" err="1"/>
-              <a:t>thiết</a:t>
-            </a:r>
-            <a:r>
-              <a:rPr lang="en-US" dirty="0"/>
-              <a:t> </a:t>
-            </a:r>
-            <a:r>
-              <a:rPr lang="en-US" dirty="0" err="1"/>
-              <a:t>kế</a:t>
-            </a:r>
-            <a:r>
-              <a:rPr lang="en-US" dirty="0"/>
-              <a:t> </a:t>
-            </a:r>
-            <a:r>
-              <a:rPr lang="en-US" dirty="0" err="1"/>
-              <a:t>rất</a:t>
-            </a:r>
-            <a:r>
-              <a:rPr lang="en-US" dirty="0"/>
-              <a:t> </a:t>
-            </a:r>
-            <a:r>
-              <a:rPr lang="en-US" dirty="0" err="1"/>
-              <a:t>phù</a:t>
-            </a:r>
-            <a:r>
-              <a:rPr lang="en-US" dirty="0"/>
-              <a:t> </a:t>
-            </a:r>
-            <a:r>
-              <a:rPr lang="en-US" dirty="0" err="1"/>
-              <a:t>hợp</a:t>
-            </a:r>
-            <a:r>
-              <a:rPr lang="en-US" dirty="0"/>
-              <a:t> </a:t>
-            </a:r>
-            <a:r>
-              <a:rPr lang="en-US" dirty="0" err="1"/>
-              <a:t>cho</a:t>
-            </a:r>
-            <a:r>
-              <a:rPr lang="en-US" dirty="0"/>
-              <a:t> </a:t>
-            </a:r>
-            <a:r>
-              <a:rPr lang="en-US" dirty="0" err="1"/>
-              <a:t>việc</a:t>
-            </a:r>
-            <a:r>
-              <a:rPr lang="en-US" dirty="0"/>
-              <a:t> </a:t>
-            </a:r>
-            <a:r>
-              <a:rPr lang="en-US" dirty="0" err="1"/>
-              <a:t>thao</a:t>
-            </a:r>
-            <a:r>
-              <a:rPr lang="en-US" dirty="0"/>
-              <a:t> </a:t>
-            </a:r>
-            <a:r>
-              <a:rPr lang="en-US" dirty="0" err="1"/>
-              <a:t>tác</a:t>
-            </a:r>
-            <a:r>
-              <a:rPr lang="en-US" dirty="0"/>
-              <a:t> </a:t>
-            </a:r>
-            <a:r>
-              <a:rPr lang="en-US" dirty="0" err="1"/>
-              <a:t>trên</a:t>
-            </a:r>
-            <a:r>
-              <a:rPr lang="en-US" dirty="0"/>
-              <a:t> command line.</a:t>
-            </a:r>
-          </a:p>
-          <a:p>
-            <a:r>
-              <a:rPr lang="vi-VN" dirty="0"/>
-              <a:t>Là các chương trình trong thư mục /bin và /sbin</a:t>
-            </a:r>
-            <a:endParaRPr lang="en-US" dirty="0"/>
-          </a:p>
-          <a:p>
-            <a:pPr lvl="1"/>
-            <a:r>
-              <a:rPr lang="en-US" dirty="0"/>
-              <a:t>Ls, cd, </a:t>
-            </a:r>
-            <a:r>
-              <a:rPr lang="en-US" dirty="0" err="1"/>
-              <a:t>pwd</a:t>
-            </a:r>
-            <a:r>
-              <a:rPr lang="en-US" dirty="0"/>
-              <a:t>, cp, mv, man, </a:t>
-            </a:r>
-            <a:r>
-              <a:rPr lang="en-US" dirty="0" err="1"/>
-              <a:t>sudo</a:t>
-            </a:r>
-            <a:r>
-              <a:rPr lang="en-US" dirty="0"/>
-              <a:t>, </a:t>
-            </a:r>
-            <a:r>
-              <a:rPr lang="en-US" dirty="0" err="1"/>
-              <a:t>mkdir</a:t>
-            </a:r>
-            <a:endParaRPr lang="en-US" dirty="0"/>
-          </a:p>
-          <a:p>
-            <a:pPr lvl="1"/>
-            <a:r>
-              <a:rPr lang="en-US" dirty="0" err="1"/>
-              <a:t>Tra</a:t>
-            </a:r>
-            <a:r>
-              <a:rPr lang="en-US" dirty="0"/>
-              <a:t> </a:t>
-            </a:r>
-            <a:r>
-              <a:rPr lang="en-US" dirty="0" err="1"/>
-              <a:t>cứu</a:t>
-            </a:r>
-            <a:r>
-              <a:rPr lang="en-US" dirty="0"/>
-              <a:t> </a:t>
-            </a:r>
-            <a:r>
-              <a:rPr lang="en-US" dirty="0" err="1"/>
-              <a:t>cách</a:t>
-            </a:r>
-            <a:r>
-              <a:rPr lang="en-US" dirty="0"/>
-              <a:t> </a:t>
-            </a:r>
-            <a:r>
-              <a:rPr lang="en-US" dirty="0" err="1"/>
-              <a:t>sử</a:t>
-            </a:r>
-            <a:r>
-              <a:rPr lang="en-US" dirty="0"/>
-              <a:t> </a:t>
-            </a:r>
-            <a:r>
-              <a:rPr lang="en-US" dirty="0" err="1"/>
-              <a:t>dụng</a:t>
-            </a:r>
-            <a:r>
-              <a:rPr lang="en-US" dirty="0"/>
-              <a:t> </a:t>
-            </a:r>
-            <a:r>
-              <a:rPr lang="en-US" dirty="0" err="1"/>
-              <a:t>của</a:t>
-            </a:r>
-            <a:r>
-              <a:rPr lang="en-US" dirty="0"/>
-              <a:t> 1 command line???</a:t>
-            </a:r>
+          <a:bodyPr/>
+          <a:lstStyle/>
+          <a:p>
+            <a:r>
+              <a:rPr lang="en-US" dirty="0">
+                <a:solidFill>
+                  <a:srgbClr val="0070C0"/>
+                </a:solidFill>
+              </a:rPr>
+              <a:t>Rich user interface</a:t>
+            </a:r>
+          </a:p>
+          <a:p>
+            <a:r>
+              <a:rPr lang="en-US" dirty="0">
+                <a:solidFill>
+                  <a:srgbClr val="0070C0"/>
+                </a:solidFill>
+              </a:rPr>
+              <a:t>Open source</a:t>
+            </a:r>
+          </a:p>
+          <a:p>
+            <a:r>
+              <a:rPr lang="vi-VN" dirty="0">
+                <a:solidFill>
+                  <a:srgbClr val="0070C0"/>
+                </a:solidFill>
+              </a:rPr>
+              <a:t>Có nhiều thư viện hỗ trợ</a:t>
+            </a:r>
+            <a:endParaRPr lang="en-US" dirty="0">
+              <a:solidFill>
+                <a:srgbClr val="0070C0"/>
+              </a:solidFill>
+            </a:endParaRPr>
+          </a:p>
+          <a:p>
+            <a:r>
+              <a:rPr lang="en-US" dirty="0" err="1">
+                <a:solidFill>
+                  <a:srgbClr val="0070C0"/>
+                </a:solidFill>
+              </a:rPr>
+              <a:t>Cộng</a:t>
+            </a:r>
+            <a:r>
+              <a:rPr lang="en-US" dirty="0">
+                <a:solidFill>
+                  <a:srgbClr val="0070C0"/>
+                </a:solidFill>
+              </a:rPr>
+              <a:t> </a:t>
+            </a:r>
+            <a:r>
+              <a:rPr lang="en-US" dirty="0" err="1">
+                <a:solidFill>
+                  <a:srgbClr val="0070C0"/>
+                </a:solidFill>
+              </a:rPr>
+              <a:t>đồng</a:t>
+            </a:r>
+            <a:r>
+              <a:rPr lang="en-US" dirty="0">
+                <a:solidFill>
+                  <a:srgbClr val="0070C0"/>
+                </a:solidFill>
+              </a:rPr>
+              <a:t> </a:t>
+            </a:r>
+            <a:r>
+              <a:rPr lang="en-US" dirty="0" err="1">
+                <a:solidFill>
+                  <a:srgbClr val="0070C0"/>
+                </a:solidFill>
+              </a:rPr>
+              <a:t>lập</a:t>
+            </a:r>
+            <a:r>
+              <a:rPr lang="en-US" dirty="0">
+                <a:solidFill>
+                  <a:srgbClr val="0070C0"/>
+                </a:solidFill>
+              </a:rPr>
+              <a:t> </a:t>
+            </a:r>
+            <a:r>
+              <a:rPr lang="en-US" dirty="0" err="1">
+                <a:solidFill>
+                  <a:srgbClr val="0070C0"/>
+                </a:solidFill>
+              </a:rPr>
+              <a:t>trình</a:t>
+            </a:r>
+            <a:r>
+              <a:rPr lang="en-US" dirty="0">
+                <a:solidFill>
+                  <a:srgbClr val="0070C0"/>
+                </a:solidFill>
+              </a:rPr>
+              <a:t> </a:t>
+            </a:r>
+            <a:r>
+              <a:rPr lang="en-US" dirty="0" err="1">
+                <a:solidFill>
+                  <a:srgbClr val="0070C0"/>
+                </a:solidFill>
+              </a:rPr>
+              <a:t>viên</a:t>
+            </a:r>
+            <a:r>
+              <a:rPr lang="en-US" dirty="0">
+                <a:solidFill>
+                  <a:srgbClr val="0070C0"/>
+                </a:solidFill>
+              </a:rPr>
+              <a:t> </a:t>
+            </a:r>
+            <a:r>
+              <a:rPr lang="en-US" dirty="0" err="1">
+                <a:solidFill>
+                  <a:srgbClr val="0070C0"/>
+                </a:solidFill>
+              </a:rPr>
+              <a:t>lớn</a:t>
+            </a:r>
+            <a:endParaRPr lang="en-US" dirty="0">
+              <a:solidFill>
+                <a:srgbClr val="0070C0"/>
+              </a:solidFill>
+            </a:endParaRPr>
+          </a:p>
+          <a:p>
+            <a:r>
+              <a:rPr lang="en-US" dirty="0" err="1">
+                <a:solidFill>
+                  <a:srgbClr val="C00000"/>
+                </a:solidFill>
+              </a:rPr>
+              <a:t>Hệ</a:t>
+            </a:r>
+            <a:r>
+              <a:rPr lang="en-US" dirty="0">
+                <a:solidFill>
+                  <a:srgbClr val="C00000"/>
+                </a:solidFill>
+              </a:rPr>
+              <a:t> </a:t>
+            </a:r>
+            <a:r>
+              <a:rPr lang="en-US" dirty="0" err="1">
+                <a:solidFill>
+                  <a:srgbClr val="C00000"/>
+                </a:solidFill>
+              </a:rPr>
+              <a:t>thống</a:t>
+            </a:r>
+            <a:r>
+              <a:rPr lang="en-US" dirty="0">
+                <a:solidFill>
+                  <a:srgbClr val="C00000"/>
+                </a:solidFill>
+              </a:rPr>
+              <a:t> </a:t>
+            </a:r>
+            <a:r>
+              <a:rPr lang="en-US" dirty="0" err="1">
+                <a:solidFill>
+                  <a:srgbClr val="C00000"/>
+                </a:solidFill>
+              </a:rPr>
+              <a:t>kém</a:t>
+            </a:r>
+            <a:r>
+              <a:rPr lang="en-US" dirty="0">
+                <a:solidFill>
+                  <a:srgbClr val="C00000"/>
+                </a:solidFill>
+              </a:rPr>
+              <a:t> </a:t>
+            </a:r>
+            <a:r>
+              <a:rPr lang="en-US" dirty="0" err="1">
+                <a:solidFill>
+                  <a:srgbClr val="C00000"/>
+                </a:solidFill>
+              </a:rPr>
+              <a:t>ổn</a:t>
+            </a:r>
+            <a:r>
+              <a:rPr lang="en-US" dirty="0">
+                <a:solidFill>
+                  <a:srgbClr val="C00000"/>
+                </a:solidFill>
+              </a:rPr>
+              <a:t> </a:t>
+            </a:r>
+            <a:r>
+              <a:rPr lang="en-US" dirty="0" err="1">
+                <a:solidFill>
+                  <a:srgbClr val="C00000"/>
+                </a:solidFill>
+              </a:rPr>
+              <a:t>định</a:t>
+            </a:r>
+            <a:endParaRPr lang="en-US" dirty="0">
+              <a:solidFill>
+                <a:srgbClr val="C00000"/>
+              </a:solidFill>
+            </a:endParaRPr>
+          </a:p>
+          <a:p>
+            <a:r>
+              <a:rPr lang="en-US" dirty="0" err="1">
+                <a:solidFill>
+                  <a:srgbClr val="C00000"/>
+                </a:solidFill>
+              </a:rPr>
+              <a:t>Tiêu</a:t>
+            </a:r>
+            <a:r>
+              <a:rPr lang="en-US" dirty="0">
+                <a:solidFill>
+                  <a:srgbClr val="C00000"/>
+                </a:solidFill>
+              </a:rPr>
+              <a:t> </a:t>
+            </a:r>
+            <a:r>
+              <a:rPr lang="en-US" dirty="0" err="1">
+                <a:solidFill>
+                  <a:srgbClr val="C00000"/>
+                </a:solidFill>
+              </a:rPr>
+              <a:t>tốn</a:t>
+            </a:r>
+            <a:r>
+              <a:rPr lang="en-US" dirty="0">
+                <a:solidFill>
+                  <a:srgbClr val="C00000"/>
+                </a:solidFill>
+              </a:rPr>
+              <a:t> </a:t>
+            </a:r>
+            <a:r>
+              <a:rPr lang="en-US" dirty="0" err="1">
+                <a:solidFill>
+                  <a:srgbClr val="C00000"/>
+                </a:solidFill>
+              </a:rPr>
+              <a:t>tài</a:t>
+            </a:r>
+            <a:r>
+              <a:rPr lang="en-US" dirty="0">
+                <a:solidFill>
+                  <a:srgbClr val="C00000"/>
+                </a:solidFill>
+              </a:rPr>
+              <a:t> </a:t>
+            </a:r>
+            <a:r>
+              <a:rPr lang="en-US" dirty="0" err="1">
+                <a:solidFill>
+                  <a:srgbClr val="C00000"/>
+                </a:solidFill>
+              </a:rPr>
+              <a:t>nguyên</a:t>
+            </a:r>
+            <a:endParaRPr lang="en-US" dirty="0">
+              <a:solidFill>
+                <a:srgbClr val="C00000"/>
+              </a:solidFill>
+            </a:endParaRPr>
           </a:p>
         </p:txBody>
       </p:sp>
@@ -6737,7 +7090,7 @@
     </p:spTree>
     <p:extLst>
       <p:ext uri="{BB962C8B-B14F-4D97-AF65-F5344CB8AC3E}">
-        <p14:creationId xmlns:p14="http://schemas.microsoft.com/office/powerpoint/2010/main" val="702499645"/>
+        <p14:creationId xmlns:p14="http://schemas.microsoft.com/office/powerpoint/2010/main" val="1496180061"/>
       </p:ext>
     </p:extLst>
   </p:cSld>
@@ -6781,31 +7134,23 @@
           <a:p>
             <a:r>
               <a:rPr lang="en-US" dirty="0" err="1"/>
-              <a:t>Cài</a:t>
-            </a:r>
-            <a:r>
-              <a:rPr lang="en-US" dirty="0"/>
-              <a:t> </a:t>
-            </a:r>
-            <a:r>
-              <a:rPr lang="en-US" dirty="0" err="1"/>
-              <a:t>đặt</a:t>
-            </a:r>
-            <a:r>
-              <a:rPr lang="en-US" dirty="0"/>
-              <a:t> </a:t>
-            </a:r>
-            <a:r>
-              <a:rPr lang="en-US" dirty="0" err="1"/>
-              <a:t>phần</a:t>
-            </a:r>
-            <a:r>
-              <a:rPr lang="en-US" dirty="0"/>
-              <a:t> </a:t>
-            </a:r>
-            <a:r>
-              <a:rPr lang="en-US" dirty="0" err="1"/>
-              <a:t>mềm</a:t>
+              <a:t>Các</a:t>
+            </a:r>
+            <a:r>
+              <a:rPr lang="en-US" dirty="0"/>
+              <a:t> command line </a:t>
+            </a:r>
+            <a:r>
+              <a:rPr lang="en-US" dirty="0" err="1"/>
+              <a:t>cơ</a:t>
+            </a:r>
+            <a:r>
+              <a:rPr lang="en-US" dirty="0"/>
+              <a:t> </a:t>
+            </a:r>
+            <a:r>
+              <a:rPr lang="en-US" dirty="0" err="1"/>
+              <a:t>bản</a:t>
             </a:r>
             <a:endParaRPr lang="en-US" dirty="0"/>
           </a:p>
@@ -6823,35 +7168,200 @@
         </p:nvSpPr>
         <p:spPr/>
         <p:txBody>
-          <a:bodyPr/>
-          <a:lstStyle/>
-          <a:p>
-            <a:r>
-              <a:rPr lang="en-US" dirty="0"/>
-              <a:t>apt command</a:t>
-            </a:r>
+          <a:bodyPr>
+            <a:normAutofit/>
+          </a:bodyPr>
+          <a:lstStyle/>
+          <a:p>
+            <a:r>
+              <a:rPr lang="en-US" dirty="0" err="1"/>
+              <a:t>Khác</a:t>
+            </a:r>
+            <a:r>
+              <a:rPr lang="en-US" dirty="0"/>
+              <a:t> </a:t>
+            </a:r>
+            <a:r>
+              <a:rPr lang="en-US" dirty="0" err="1"/>
+              <a:t>với</a:t>
+            </a:r>
+            <a:r>
+              <a:rPr lang="en-US" dirty="0"/>
+              <a:t> Window, Linux </a:t>
+            </a:r>
+            <a:r>
+              <a:rPr lang="en-US" dirty="0" err="1"/>
+              <a:t>được</a:t>
+            </a:r>
+            <a:r>
+              <a:rPr lang="en-US" dirty="0"/>
+              <a:t> </a:t>
+            </a:r>
+            <a:r>
+              <a:rPr lang="en-US" dirty="0" err="1"/>
+              <a:t>thiết</a:t>
+            </a:r>
+            <a:r>
+              <a:rPr lang="en-US" dirty="0"/>
+              <a:t> </a:t>
+            </a:r>
+            <a:r>
+              <a:rPr lang="en-US" dirty="0" err="1"/>
+              <a:t>kế</a:t>
+            </a:r>
+            <a:r>
+              <a:rPr lang="en-US" dirty="0"/>
+              <a:t> </a:t>
+            </a:r>
+            <a:r>
+              <a:rPr lang="en-US" dirty="0" err="1"/>
+              <a:t>rất</a:t>
+            </a:r>
+            <a:r>
+              <a:rPr lang="en-US" dirty="0"/>
+              <a:t> </a:t>
+            </a:r>
+            <a:r>
+              <a:rPr lang="en-US" dirty="0" err="1"/>
+              <a:t>phù</a:t>
+            </a:r>
+            <a:r>
+              <a:rPr lang="en-US" dirty="0"/>
+              <a:t> </a:t>
+            </a:r>
+            <a:r>
+              <a:rPr lang="en-US" dirty="0" err="1"/>
+              <a:t>hợp</a:t>
+            </a:r>
+            <a:r>
+              <a:rPr lang="en-US" dirty="0"/>
+              <a:t> </a:t>
+            </a:r>
+            <a:r>
+              <a:rPr lang="en-US" dirty="0" err="1"/>
+              <a:t>cho</a:t>
+            </a:r>
+            <a:r>
+              <a:rPr lang="en-US" dirty="0"/>
+              <a:t> </a:t>
+            </a:r>
+            <a:r>
+              <a:rPr lang="en-US" dirty="0" err="1"/>
+              <a:t>việc</a:t>
+            </a:r>
+            <a:r>
+              <a:rPr lang="en-US" dirty="0"/>
+              <a:t> </a:t>
+            </a:r>
+            <a:r>
+              <a:rPr lang="en-US" dirty="0" err="1"/>
+              <a:t>thao</a:t>
+            </a:r>
+            <a:r>
+              <a:rPr lang="en-US" dirty="0"/>
+              <a:t> </a:t>
+            </a:r>
+            <a:r>
+              <a:rPr lang="en-US" dirty="0" err="1"/>
+              <a:t>tác</a:t>
+            </a:r>
+            <a:r>
+              <a:rPr lang="en-US" dirty="0"/>
+              <a:t> </a:t>
+            </a:r>
+            <a:r>
+              <a:rPr lang="en-US" dirty="0" err="1"/>
+              <a:t>trên</a:t>
+            </a:r>
+            <a:r>
+              <a:rPr lang="en-US" dirty="0"/>
+              <a:t> command line.</a:t>
+            </a:r>
+          </a:p>
+          <a:p>
+            <a:r>
+              <a:rPr lang="vi-VN" dirty="0"/>
+              <a:t>Là các chương trình trong thư mục /bin và /sbin</a:t>
+            </a:r>
+            <a:endParaRPr lang="en-US" dirty="0"/>
           </a:p>
           <a:p>
             <a:pPr lvl="1"/>
             <a:r>
-              <a:rPr lang="vi-VN" dirty="0"/>
-              <a:t>Chương trình apt chuyên dùng để install, uninstall các chương trình khác trong linux</a:t>
+              <a:rPr lang="en-US" dirty="0"/>
+              <a:t>Ls, cd, </a:t>
+            </a:r>
+            <a:r>
+              <a:rPr lang="en-US" dirty="0" err="1"/>
+              <a:t>pwd</a:t>
+            </a:r>
+            <a:r>
+              <a:rPr lang="en-US" dirty="0"/>
+              <a:t>, cp, mv, man, </a:t>
+            </a:r>
+            <a:r>
+              <a:rPr lang="en-US" dirty="0" err="1"/>
+              <a:t>sudo</a:t>
+            </a:r>
+            <a:r>
+              <a:rPr lang="en-US" dirty="0"/>
+              <a:t>, </a:t>
+            </a:r>
+            <a:r>
+              <a:rPr lang="en-US" dirty="0" err="1"/>
+              <a:t>mkdir</a:t>
             </a:r>
             <a:endParaRPr lang="en-US" dirty="0"/>
           </a:p>
           <a:p>
             <a:pPr lvl="1"/>
             <a:r>
-              <a:rPr lang="vi-VN" dirty="0"/>
-              <a:t>apt sẽ connect vào 1 số các server của open source và tìm kiếm phần mềm trùng với tên mà người dùng yêu cầu để tiến hành cài đặt</a:t>
-            </a:r>
-            <a:endParaRPr lang="en-US" dirty="0"/>
-          </a:p>
-          <a:p>
-            <a:pPr lvl="1"/>
-            <a:r>
-              <a:rPr lang="en-US" dirty="0"/>
-              <a:t>apt-get update, apt-get install</a:t>
+              <a:rPr lang="en-US" dirty="0" err="1"/>
+              <a:t>Tra</a:t>
+            </a:r>
+            <a:r>
+              <a:rPr lang="en-US" dirty="0"/>
+              <a:t> </a:t>
+            </a:r>
+            <a:r>
+              <a:rPr lang="en-US" dirty="0" err="1"/>
+              <a:t>cứu</a:t>
+            </a:r>
+            <a:r>
+              <a:rPr lang="en-US" dirty="0"/>
+              <a:t> </a:t>
+            </a:r>
+            <a:r>
+              <a:rPr lang="en-US" dirty="0" err="1"/>
+              <a:t>cách</a:t>
+            </a:r>
+            <a:r>
+              <a:rPr lang="en-US" dirty="0"/>
+              <a:t> </a:t>
+            </a:r>
+            <a:r>
+              <a:rPr lang="en-US" dirty="0" err="1"/>
+              <a:t>sử</a:t>
+            </a:r>
+            <a:r>
+              <a:rPr lang="en-US" dirty="0"/>
+              <a:t> </a:t>
+            </a:r>
+            <a:r>
+              <a:rPr lang="en-US" dirty="0" err="1"/>
+              <a:t>dụng</a:t>
+            </a:r>
+            <a:r>
+              <a:rPr lang="en-US" dirty="0"/>
+              <a:t> </a:t>
+            </a:r>
+            <a:r>
+              <a:rPr lang="en-US" dirty="0" err="1"/>
+              <a:t>của</a:t>
+            </a:r>
+            <a:r>
+              <a:rPr lang="en-US" dirty="0"/>
+              <a:t> 1 command line???</a:t>
             </a:r>
           </a:p>
         </p:txBody>
@@ -6904,7 +7414,7 @@
     </p:spTree>
     <p:extLst>
       <p:ext uri="{BB962C8B-B14F-4D97-AF65-F5344CB8AC3E}">
-        <p14:creationId xmlns:p14="http://schemas.microsoft.com/office/powerpoint/2010/main" val="1834813675"/>
+        <p14:creationId xmlns:p14="http://schemas.microsoft.com/office/powerpoint/2010/main" val="702499645"/>
       </p:ext>
     </p:extLst>
   </p:cSld>
@@ -6947,44 +7457,79 @@
           <a:lstStyle/>
           <a:p>
             <a:r>
-              <a:rPr lang="vi-VN" sz="2400" dirty="0"/>
-              <a:t>Các kỹ thuật cơ bản khi lập trình trên Linux</a:t>
-            </a:r>
-            <a:endParaRPr lang="en-US" sz="2400" dirty="0"/>
-          </a:p>
-        </p:txBody>
-      </p:sp>
-      <p:sp>
-        <p:nvSpPr>
-          <p:cNvPr id="6" name="Text Placeholder 5"/>
-          <p:cNvSpPr>
-            <a:spLocks noGrp="1"/>
-          </p:cNvSpPr>
-          <p:nvPr>
-            <p:ph type="body" idx="1"/>
-          </p:nvPr>
-        </p:nvSpPr>
-        <p:spPr/>
-        <p:txBody>
-          <a:bodyPr>
-            <a:normAutofit/>
-          </a:bodyPr>
-          <a:lstStyle/>
-          <a:p>
-            <a:pPr algn="ctr"/>
-            <a:r>
-              <a:rPr lang="vi-VN" sz="3200" dirty="0">
-                <a:solidFill>
-                  <a:schemeClr val="tx1"/>
-                </a:solidFill>
-              </a:rPr>
-              <a:t>Các kỹ thuật cơ bản khi lập trình trên Linux</a:t>
-            </a:r>
-            <a:endParaRPr lang="en-US" sz="3200" dirty="0">
-              <a:solidFill>
-                <a:schemeClr val="tx1"/>
-              </a:solidFill>
-            </a:endParaRPr>
+              <a:rPr lang="en-US" dirty="0" err="1"/>
+              <a:t>Cài</a:t>
+            </a:r>
+            <a:r>
+              <a:rPr lang="en-US" dirty="0"/>
+              <a:t> </a:t>
+            </a:r>
+            <a:r>
+              <a:rPr lang="en-US" dirty="0" err="1"/>
+              <a:t>đặt</a:t>
+            </a:r>
+            <a:r>
+              <a:rPr lang="en-US" dirty="0"/>
+              <a:t> </a:t>
+            </a:r>
+            <a:r>
+              <a:rPr lang="en-US" dirty="0" err="1"/>
+              <a:t>phần</a:t>
+            </a:r>
+            <a:r>
+              <a:rPr lang="en-US" dirty="0"/>
+              <a:t> </a:t>
+            </a:r>
+            <a:r>
+              <a:rPr lang="en-US" dirty="0" err="1"/>
+              <a:t>mềm</a:t>
+            </a:r>
+            <a:endParaRPr lang="en-US" dirty="0"/>
+          </a:p>
+        </p:txBody>
+      </p:sp>
+      <p:sp>
+        <p:nvSpPr>
+          <p:cNvPr id="3" name="Content Placeholder 2"/>
+          <p:cNvSpPr>
+            <a:spLocks noGrp="1"/>
+          </p:cNvSpPr>
+          <p:nvPr>
+            <p:ph idx="1"/>
+          </p:nvPr>
+        </p:nvSpPr>
+        <p:spPr/>
+        <p:txBody>
+          <a:bodyPr/>
+          <a:lstStyle/>
+          <a:p>
+            <a:r>
+              <a:rPr lang="en-US" dirty="0"/>
+              <a:t>apt command</a:t>
+            </a:r>
+          </a:p>
+          <a:p>
+            <a:pPr lvl="1"/>
+            <a:r>
+              <a:rPr lang="vi-VN" dirty="0"/>
+              <a:t>Chương trình apt chuyên dùng để install, uninstall các chương trình khác trong linux</a:t>
+            </a:r>
+            <a:endParaRPr lang="en-US" dirty="0"/>
+          </a:p>
+          <a:p>
+            <a:pPr lvl="1"/>
+            <a:r>
+              <a:rPr lang="vi-VN" dirty="0"/>
+              <a:t>apt sẽ connect vào 1 số các server của open source và tìm kiếm phần mềm trùng với tên mà người dùng yêu cầu để tiến hành cài đặt</a:t>
+            </a:r>
+            <a:endParaRPr lang="en-US" dirty="0"/>
+          </a:p>
+          <a:p>
+            <a:pPr lvl="1"/>
+            <a:r>
+              <a:rPr lang="en-US" dirty="0"/>
+              <a:t>apt-get update, apt-get install</a:t>
+            </a:r>
           </a:p>
         </p:txBody>
       </p:sp>
@@ -7036,7 +7581,7 @@
     </p:spTree>
     <p:extLst>
       <p:ext uri="{BB962C8B-B14F-4D97-AF65-F5344CB8AC3E}">
-        <p14:creationId xmlns:p14="http://schemas.microsoft.com/office/powerpoint/2010/main" val="2450679566"/>
+        <p14:creationId xmlns:p14="http://schemas.microsoft.com/office/powerpoint/2010/main" val="1834813675"/>
       </p:ext>
     </p:extLst>
   </p:cSld>
@@ -7065,7 +7610,7 @@
       </p:grpSpPr>
       <p:sp>
         <p:nvSpPr>
-          <p:cNvPr id="6" name="Title 5"/>
+          <p:cNvPr id="2" name="Title 1"/>
           <p:cNvSpPr>
             <a:spLocks noGrp="1"/>
           </p:cNvSpPr>
@@ -7079,187 +7624,44 @@
           <a:lstStyle/>
           <a:p>
             <a:r>
-              <a:rPr lang="en-US" dirty="0"/>
-              <a:t>Vim editor</a:t>
-            </a:r>
-          </a:p>
-        </p:txBody>
-      </p:sp>
-      <p:sp>
-        <p:nvSpPr>
-          <p:cNvPr id="7" name="Content Placeholder 6"/>
-          <p:cNvSpPr>
-            <a:spLocks noGrp="1"/>
-          </p:cNvSpPr>
-          <p:nvPr>
-            <p:ph idx="1"/>
+              <a:rPr lang="vi-VN" sz="2400" dirty="0"/>
+              <a:t>Các kỹ thuật cơ bản khi lập trình trên Linux</a:t>
+            </a:r>
+            <a:endParaRPr lang="en-US" sz="2400" dirty="0"/>
+          </a:p>
+        </p:txBody>
+      </p:sp>
+      <p:sp>
+        <p:nvSpPr>
+          <p:cNvPr id="6" name="Text Placeholder 5"/>
+          <p:cNvSpPr>
+            <a:spLocks noGrp="1"/>
+          </p:cNvSpPr>
+          <p:nvPr>
+            <p:ph type="body" idx="1"/>
           </p:nvPr>
         </p:nvSpPr>
         <p:spPr/>
         <p:txBody>
           <a:bodyPr>
-            <a:normAutofit fontScale="92500" lnSpcReduction="20000"/>
+            <a:normAutofit/>
           </a:bodyPr>
           <a:lstStyle/>
           <a:p>
-            <a:r>
-              <a:rPr lang="vi-VN" dirty="0"/>
-              <a:t>Cho phép người dùng lập trình trên giao diện console và không hỗ trợ chuột</a:t>
-            </a:r>
-            <a:endParaRPr lang="en-US" dirty="0"/>
-          </a:p>
-          <a:p>
-            <a:r>
-              <a:rPr lang="en-US" dirty="0"/>
-              <a:t>Hotkey</a:t>
-            </a:r>
-          </a:p>
-          <a:p>
-            <a:pPr lvl="1"/>
-            <a:r>
-              <a:rPr lang="fr-FR" dirty="0"/>
-              <a:t>I: Insert mode, </a:t>
-            </a:r>
-            <a:r>
-              <a:rPr lang="fr-FR" dirty="0" err="1"/>
-              <a:t>Esc</a:t>
-            </a:r>
-            <a:r>
-              <a:rPr lang="fr-FR" dirty="0"/>
-              <a:t>: Command mode</a:t>
-            </a:r>
-          </a:p>
-          <a:p>
-            <a:pPr lvl="1"/>
-            <a:r>
-              <a:rPr lang="en-US" dirty="0"/>
-              <a:t>:x </a:t>
-            </a:r>
-            <a:r>
-              <a:rPr lang="en-US" dirty="0" err="1"/>
-              <a:t>Nhảy</a:t>
-            </a:r>
-            <a:r>
-              <a:rPr lang="en-US" dirty="0"/>
-              <a:t> </a:t>
-            </a:r>
-            <a:r>
-              <a:rPr lang="en-US" dirty="0" err="1"/>
-              <a:t>đến</a:t>
-            </a:r>
-            <a:r>
-              <a:rPr lang="en-US" dirty="0"/>
-              <a:t> </a:t>
-            </a:r>
-            <a:r>
-              <a:rPr lang="en-US" dirty="0" err="1"/>
-              <a:t>dòng</a:t>
-            </a:r>
-            <a:r>
-              <a:rPr lang="en-US" dirty="0"/>
-              <a:t> x</a:t>
-            </a:r>
-          </a:p>
-          <a:p>
-            <a:pPr lvl="1"/>
-            <a:r>
-              <a:rPr lang="en-US" dirty="0"/>
-              <a:t>/string </a:t>
-            </a:r>
-            <a:r>
-              <a:rPr lang="en-US" dirty="0" err="1"/>
-              <a:t>Tìm</a:t>
-            </a:r>
-            <a:r>
-              <a:rPr lang="en-US" dirty="0"/>
-              <a:t> </a:t>
-            </a:r>
-            <a:r>
-              <a:rPr lang="en-US" dirty="0" err="1"/>
-              <a:t>kiếm</a:t>
-            </a:r>
-            <a:r>
-              <a:rPr lang="en-US" dirty="0"/>
-              <a:t> </a:t>
-            </a:r>
-            <a:r>
-              <a:rPr lang="en-US" dirty="0" err="1"/>
-              <a:t>chuỗi</a:t>
-            </a:r>
-            <a:r>
-              <a:rPr lang="en-US" dirty="0"/>
-              <a:t> string</a:t>
-            </a:r>
-          </a:p>
-          <a:p>
-            <a:pPr lvl="1"/>
-            <a:r>
-              <a:rPr lang="en-US" dirty="0"/>
-              <a:t>Shift + 8 </a:t>
-            </a:r>
-            <a:r>
-              <a:rPr lang="en-US" dirty="0" err="1"/>
-              <a:t>Tìm</a:t>
-            </a:r>
-            <a:r>
-              <a:rPr lang="en-US" dirty="0"/>
-              <a:t> </a:t>
-            </a:r>
-            <a:r>
-              <a:rPr lang="en-US" dirty="0" err="1"/>
-              <a:t>kiếm</a:t>
-            </a:r>
-            <a:r>
-              <a:rPr lang="en-US" dirty="0"/>
-              <a:t> word </a:t>
-            </a:r>
-            <a:r>
-              <a:rPr lang="en-US" dirty="0" err="1"/>
-              <a:t>hiện</a:t>
-            </a:r>
-            <a:r>
-              <a:rPr lang="en-US" dirty="0"/>
-              <a:t> </a:t>
-            </a:r>
-            <a:r>
-              <a:rPr lang="en-US" dirty="0" err="1"/>
-              <a:t>tại</a:t>
-            </a:r>
-            <a:r>
-              <a:rPr lang="en-US" dirty="0"/>
-              <a:t> </a:t>
-            </a:r>
-            <a:r>
-              <a:rPr lang="en-US" dirty="0" err="1"/>
-              <a:t>trên</a:t>
-            </a:r>
-            <a:r>
-              <a:rPr lang="en-US" dirty="0"/>
-              <a:t> con </a:t>
-            </a:r>
-            <a:r>
-              <a:rPr lang="en-US" dirty="0" err="1"/>
-              <a:t>trỏ</a:t>
-            </a:r>
-            <a:endParaRPr lang="en-US" dirty="0"/>
-          </a:p>
-          <a:p>
-            <a:pPr lvl="1"/>
-            <a:r>
-              <a:rPr lang="vi-VN" dirty="0"/>
-              <a:t>:wq Quit và save, :q! Quit nhưng không save</a:t>
-            </a:r>
-            <a:endParaRPr lang="en-US" dirty="0"/>
-          </a:p>
-          <a:p>
-            <a:pPr lvl="1"/>
-            <a:r>
-              <a:rPr lang="en-US" dirty="0">
-                <a:hlinkClick r:id="rId2"/>
+            <a:pPr algn="ctr"/>
+            <a:r>
+              <a:rPr lang="vi-VN" sz="3200" dirty="0">
+                <a:solidFill>
+                  <a:schemeClr val="tx1"/>
+                </a:solidFill>
               </a:rPr>
-              <a:t>reference</a:t>
-            </a:r>
-            <a:endParaRPr lang="en-US" dirty="0"/>
+              <a:t>Các kỹ thuật cơ bản khi lập trình trên Linux</a:t>
+            </a:r>
+            <a:endParaRPr lang="en-US" sz="3200" dirty="0">
+              <a:solidFill>
+                <a:schemeClr val="tx1"/>
+              </a:solidFill>
+            </a:endParaRPr>
           </a:p>
         </p:txBody>
       </p:sp>
@@ -7311,7 +7713,7 @@
     </p:spTree>
     <p:extLst>
       <p:ext uri="{BB962C8B-B14F-4D97-AF65-F5344CB8AC3E}">
-        <p14:creationId xmlns:p14="http://schemas.microsoft.com/office/powerpoint/2010/main" val="2588988618"/>
+        <p14:creationId xmlns:p14="http://schemas.microsoft.com/office/powerpoint/2010/main" val="2450679566"/>
       </p:ext>
     </p:extLst>
   </p:cSld>
@@ -7340,7 +7742,7 @@
       </p:grpSpPr>
       <p:sp>
         <p:nvSpPr>
-          <p:cNvPr id="2" name="Title 1"/>
+          <p:cNvPr id="6" name="Title 5"/>
           <p:cNvSpPr>
             <a:spLocks noGrp="1"/>
           </p:cNvSpPr>
@@ -7354,19 +7756,15 @@
           <a:lstStyle/>
           <a:p>
             <a:r>
-              <a:rPr lang="en-US" dirty="0" err="1"/>
-              <a:t>gcc</a:t>
-            </a:r>
-            <a:r>
-              <a:rPr lang="en-US" dirty="0"/>
-              <a:t> compiler</a:t>
-            </a:r>
-          </a:p>
-        </p:txBody>
-      </p:sp>
-      <p:sp>
-        <p:nvSpPr>
-          <p:cNvPr id="3" name="Content Placeholder 2"/>
+              <a:rPr lang="en-US" dirty="0"/>
+              <a:t>Vim editor</a:t>
+            </a:r>
+          </a:p>
+        </p:txBody>
+      </p:sp>
+      <p:sp>
+        <p:nvSpPr>
+          <p:cNvPr id="7" name="Content Placeholder 6"/>
           <p:cNvSpPr>
             <a:spLocks noGrp="1"/>
           </p:cNvSpPr>
@@ -7382,88 +7780,151 @@
           <a:lstStyle/>
           <a:p>
             <a:r>
-              <a:rPr lang="en-US" dirty="0"/>
-              <a:t>command line </a:t>
-            </a:r>
-            <a:r>
-              <a:rPr lang="en-US" dirty="0" err="1"/>
-              <a:t>dùng</a:t>
-            </a:r>
-            <a:r>
-              <a:rPr lang="en-US" dirty="0"/>
-              <a:t> </a:t>
-            </a:r>
-            <a:r>
-              <a:rPr lang="en-US" dirty="0" err="1"/>
-              <a:t>để</a:t>
-            </a:r>
-            <a:r>
-              <a:rPr lang="en-US" dirty="0"/>
-              <a:t> build source code</a:t>
-            </a:r>
-          </a:p>
-          <a:p>
-            <a:r>
-              <a:rPr lang="en-US" dirty="0"/>
-              <a:t>command </a:t>
-            </a:r>
-            <a:r>
-              <a:rPr lang="en-US" dirty="0" err="1"/>
-              <a:t>cơ</a:t>
-            </a:r>
-            <a:r>
-              <a:rPr lang="en-US" dirty="0"/>
-              <a:t> </a:t>
-            </a:r>
-            <a:r>
-              <a:rPr lang="en-US" dirty="0" err="1"/>
-              <a:t>bản</a:t>
-            </a:r>
-            <a:r>
-              <a:rPr lang="en-US" dirty="0"/>
-              <a:t>: </a:t>
-            </a:r>
-            <a:r>
-              <a:rPr lang="en-US" dirty="0" err="1"/>
-              <a:t>gcc</a:t>
-            </a:r>
-            <a:r>
-              <a:rPr lang="en-US" dirty="0"/>
-              <a:t> -o </a:t>
-            </a:r>
-            <a:r>
-              <a:rPr lang="en-US" dirty="0" err="1"/>
-              <a:t>output_name</a:t>
-            </a:r>
-            <a:r>
-              <a:rPr lang="en-US" dirty="0"/>
-              <a:t> </a:t>
-            </a:r>
-            <a:r>
-              <a:rPr lang="en-US" dirty="0" err="1"/>
-              <a:t>file.c</a:t>
+              <a:rPr lang="vi-VN" dirty="0"/>
+              <a:t>Cho phép người dùng lập trình trên giao diện console và không hỗ trợ chuột</a:t>
             </a:r>
             <a:endParaRPr lang="en-US" dirty="0"/>
           </a:p>
           <a:p>
             <a:r>
               <a:rPr lang="en-US" dirty="0"/>
-              <a:t>Options</a:t>
+              <a:t>Hotkey</a:t>
             </a:r>
           </a:p>
           <a:p>
             <a:pPr lvl="1"/>
             <a:r>
+              <a:rPr lang="fr-FR" dirty="0"/>
+              <a:t>I: Insert mode, </a:t>
+            </a:r>
+            <a:r>
+              <a:rPr lang="fr-FR" dirty="0" err="1"/>
+              <a:t>Esc</a:t>
+            </a:r>
+            <a:r>
+              <a:rPr lang="fr-FR" dirty="0"/>
+              <a:t>: Command mode</a:t>
+            </a:r>
+          </a:p>
+          <a:p>
+            <a:pPr lvl="1"/>
+            <a:r>
+              <a:rPr lang="en-US" dirty="0"/>
+              <a:t>:x </a:t>
+            </a:r>
+            <a:r>
+              <a:rPr lang="en-US" dirty="0" err="1"/>
+              <a:t>Nhảy</a:t>
+            </a:r>
+            <a:r>
+              <a:rPr lang="en-US" dirty="0"/>
+              <a:t> </a:t>
+            </a:r>
+            <a:r>
+              <a:rPr lang="en-US" dirty="0" err="1"/>
+              <a:t>đến</a:t>
+            </a:r>
+            <a:r>
+              <a:rPr lang="en-US" dirty="0"/>
+              <a:t> </a:t>
+            </a:r>
+            <a:r>
+              <a:rPr lang="en-US" dirty="0" err="1"/>
+              <a:t>dòng</a:t>
+            </a:r>
+            <a:r>
+              <a:rPr lang="en-US" dirty="0"/>
+              <a:t> x</a:t>
+            </a:r>
+          </a:p>
+          <a:p>
+            <a:pPr lvl="1"/>
+            <a:r>
+              <a:rPr lang="en-US" dirty="0"/>
+              <a:t>/string </a:t>
+            </a:r>
+            <a:r>
+              <a:rPr lang="en-US" dirty="0" err="1"/>
+              <a:t>Tìm</a:t>
+            </a:r>
+            <a:r>
+              <a:rPr lang="en-US" dirty="0"/>
+              <a:t> </a:t>
+            </a:r>
+            <a:r>
+              <a:rPr lang="en-US" dirty="0" err="1"/>
+              <a:t>kiếm</a:t>
+            </a:r>
+            <a:r>
+              <a:rPr lang="en-US" dirty="0"/>
+              <a:t> </a:t>
+            </a:r>
+            <a:r>
+              <a:rPr lang="en-US" dirty="0" err="1"/>
+              <a:t>chuỗi</a:t>
+            </a:r>
+            <a:r>
+              <a:rPr lang="en-US" dirty="0"/>
+              <a:t> string</a:t>
+            </a:r>
+          </a:p>
+          <a:p>
+            <a:pPr lvl="1"/>
+            <a:r>
+              <a:rPr lang="en-US" dirty="0"/>
+              <a:t>Shift + 8 </a:t>
+            </a:r>
+            <a:r>
+              <a:rPr lang="en-US" dirty="0" err="1"/>
+              <a:t>Tìm</a:t>
+            </a:r>
+            <a:r>
+              <a:rPr lang="en-US" dirty="0"/>
+              <a:t> </a:t>
+            </a:r>
+            <a:r>
+              <a:rPr lang="en-US" dirty="0" err="1"/>
+              <a:t>kiếm</a:t>
+            </a:r>
+            <a:r>
+              <a:rPr lang="en-US" dirty="0"/>
+              <a:t> word </a:t>
+            </a:r>
+            <a:r>
+              <a:rPr lang="en-US" dirty="0" err="1"/>
+              <a:t>hiện</a:t>
+            </a:r>
+            <a:r>
+              <a:rPr lang="en-US" dirty="0"/>
+              <a:t> </a:t>
+            </a:r>
+            <a:r>
+              <a:rPr lang="en-US" dirty="0" err="1"/>
+              <a:t>tại</a:t>
+            </a:r>
+            <a:r>
+              <a:rPr lang="en-US" dirty="0"/>
+              <a:t> </a:t>
+            </a:r>
+            <a:r>
+              <a:rPr lang="en-US" dirty="0" err="1"/>
+              <a:t>trên</a:t>
+            </a:r>
+            <a:r>
+              <a:rPr lang="en-US" dirty="0"/>
+              <a:t> con </a:t>
+            </a:r>
+            <a:r>
+              <a:rPr lang="en-US" dirty="0" err="1"/>
+              <a:t>trỏ</a:t>
+            </a:r>
+            <a:endParaRPr lang="en-US" dirty="0"/>
+          </a:p>
+          <a:p>
+            <a:pPr lvl="1"/>
+            <a:r>
               <a:rPr lang="vi-VN" dirty="0"/>
-              <a:t>-I: chỉ đến đường dẫn tìm các file .h</a:t>
-            </a:r>
-            <a:endParaRPr lang="en-US" dirty="0"/>
-          </a:p>
-          <a:p>
-            <a:pPr lvl="1"/>
-            <a:r>
-              <a:rPr lang="vi-VN" dirty="0"/>
-              <a:t>-l: Chỉ đến đường dẫn chứa các file thư viện động</a:t>
+              <a:t>:wq Quit và save, :q! Quit nhưng không save</a:t>
             </a:r>
             <a:endParaRPr lang="en-US" dirty="0"/>
           </a:p>
@@ -7473,14 +7934,7 @@
               <a:rPr lang="en-US" dirty="0">
                 <a:hlinkClick r:id="rId2"/>
               </a:rPr>
-              <a:t>Reference</a:t>
-            </a:r>
-            <a:endParaRPr lang="en-US" dirty="0"/>
-          </a:p>
-          <a:p>
-            <a:r>
-              <a:rPr lang="vi-VN" dirty="0"/>
-              <a:t>Sử dụng vim để viết chương trình tính tổng các số từ 1 đến 100 và in ra màn hình</a:t>
+              <a:t>reference</a:t>
             </a:r>
             <a:endParaRPr lang="en-US" dirty="0"/>
           </a:p>
@@ -7534,7 +7988,7 @@
     </p:spTree>
     <p:extLst>
       <p:ext uri="{BB962C8B-B14F-4D97-AF65-F5344CB8AC3E}">
-        <p14:creationId xmlns:p14="http://schemas.microsoft.com/office/powerpoint/2010/main" val="1380719736"/>
+        <p14:creationId xmlns:p14="http://schemas.microsoft.com/office/powerpoint/2010/main" val="2588988618"/>
       </p:ext>
     </p:extLst>
   </p:cSld>
